--- a/CommonUI/CommonUI.pptx
+++ b/CommonUI/CommonUI.pptx
@@ -6,11 +6,18 @@
   </p:sldMasterIdLst>
   <p:sldIdLst>
     <p:sldId id="258" r:id="rId2"/>
-    <p:sldId id="256" r:id="rId3"/>
-    <p:sldId id="257" r:id="rId4"/>
-    <p:sldId id="259" r:id="rId5"/>
-    <p:sldId id="260" r:id="rId6"/>
-    <p:sldId id="261" r:id="rId7"/>
+    <p:sldId id="264" r:id="rId3"/>
+    <p:sldId id="256" r:id="rId4"/>
+    <p:sldId id="257" r:id="rId5"/>
+    <p:sldId id="259" r:id="rId6"/>
+    <p:sldId id="260" r:id="rId7"/>
+    <p:sldId id="261" r:id="rId8"/>
+    <p:sldId id="262" r:id="rId9"/>
+    <p:sldId id="263" r:id="rId10"/>
+    <p:sldId id="265" r:id="rId11"/>
+    <p:sldId id="266" r:id="rId12"/>
+    <p:sldId id="268" r:id="rId13"/>
+    <p:sldId id="269" r:id="rId14"/>
   </p:sldIdLst>
   <p:sldSz cx="12192000" cy="6858000"/>
   <p:notesSz cx="6858000" cy="9144000"/>
@@ -264,7 +271,7 @@
           <a:p>
             <a:fld id="{0834B572-3F4B-4F02-BC85-067D30731B0F}" type="datetimeFigureOut">
               <a:rPr lang="zh-CN" altLang="en-US" smtClean="0"/>
-              <a:t>2025/11/5</a:t>
+              <a:t>2025/12/6</a:t>
             </a:fld>
             <a:endParaRPr lang="zh-CN" altLang="en-US"/>
           </a:p>
@@ -462,7 +469,7 @@
           <a:p>
             <a:fld id="{0834B572-3F4B-4F02-BC85-067D30731B0F}" type="datetimeFigureOut">
               <a:rPr lang="zh-CN" altLang="en-US" smtClean="0"/>
-              <a:t>2025/11/5</a:t>
+              <a:t>2025/12/6</a:t>
             </a:fld>
             <a:endParaRPr lang="zh-CN" altLang="en-US"/>
           </a:p>
@@ -670,7 +677,7 @@
           <a:p>
             <a:fld id="{0834B572-3F4B-4F02-BC85-067D30731B0F}" type="datetimeFigureOut">
               <a:rPr lang="zh-CN" altLang="en-US" smtClean="0"/>
-              <a:t>2025/11/5</a:t>
+              <a:t>2025/12/6</a:t>
             </a:fld>
             <a:endParaRPr lang="zh-CN" altLang="en-US"/>
           </a:p>
@@ -868,7 +875,7 @@
           <a:p>
             <a:fld id="{0834B572-3F4B-4F02-BC85-067D30731B0F}" type="datetimeFigureOut">
               <a:rPr lang="zh-CN" altLang="en-US" smtClean="0"/>
-              <a:t>2025/11/5</a:t>
+              <a:t>2025/12/6</a:t>
             </a:fld>
             <a:endParaRPr lang="zh-CN" altLang="en-US"/>
           </a:p>
@@ -1143,7 +1150,7 @@
           <a:p>
             <a:fld id="{0834B572-3F4B-4F02-BC85-067D30731B0F}" type="datetimeFigureOut">
               <a:rPr lang="zh-CN" altLang="en-US" smtClean="0"/>
-              <a:t>2025/11/5</a:t>
+              <a:t>2025/12/6</a:t>
             </a:fld>
             <a:endParaRPr lang="zh-CN" altLang="en-US"/>
           </a:p>
@@ -1408,7 +1415,7 @@
           <a:p>
             <a:fld id="{0834B572-3F4B-4F02-BC85-067D30731B0F}" type="datetimeFigureOut">
               <a:rPr lang="zh-CN" altLang="en-US" smtClean="0"/>
-              <a:t>2025/11/5</a:t>
+              <a:t>2025/12/6</a:t>
             </a:fld>
             <a:endParaRPr lang="zh-CN" altLang="en-US"/>
           </a:p>
@@ -1820,7 +1827,7 @@
           <a:p>
             <a:fld id="{0834B572-3F4B-4F02-BC85-067D30731B0F}" type="datetimeFigureOut">
               <a:rPr lang="zh-CN" altLang="en-US" smtClean="0"/>
-              <a:t>2025/11/5</a:t>
+              <a:t>2025/12/6</a:t>
             </a:fld>
             <a:endParaRPr lang="zh-CN" altLang="en-US"/>
           </a:p>
@@ -1961,7 +1968,7 @@
           <a:p>
             <a:fld id="{0834B572-3F4B-4F02-BC85-067D30731B0F}" type="datetimeFigureOut">
               <a:rPr lang="zh-CN" altLang="en-US" smtClean="0"/>
-              <a:t>2025/11/5</a:t>
+              <a:t>2025/12/6</a:t>
             </a:fld>
             <a:endParaRPr lang="zh-CN" altLang="en-US"/>
           </a:p>
@@ -2074,7 +2081,7 @@
           <a:p>
             <a:fld id="{0834B572-3F4B-4F02-BC85-067D30731B0F}" type="datetimeFigureOut">
               <a:rPr lang="zh-CN" altLang="en-US" smtClean="0"/>
-              <a:t>2025/11/5</a:t>
+              <a:t>2025/12/6</a:t>
             </a:fld>
             <a:endParaRPr lang="zh-CN" altLang="en-US"/>
           </a:p>
@@ -2385,7 +2392,7 @@
           <a:p>
             <a:fld id="{0834B572-3F4B-4F02-BC85-067D30731B0F}" type="datetimeFigureOut">
               <a:rPr lang="zh-CN" altLang="en-US" smtClean="0"/>
-              <a:t>2025/11/5</a:t>
+              <a:t>2025/12/6</a:t>
             </a:fld>
             <a:endParaRPr lang="zh-CN" altLang="en-US"/>
           </a:p>
@@ -2673,7 +2680,7 @@
           <a:p>
             <a:fld id="{0834B572-3F4B-4F02-BC85-067D30731B0F}" type="datetimeFigureOut">
               <a:rPr lang="zh-CN" altLang="en-US" smtClean="0"/>
-              <a:t>2025/11/5</a:t>
+              <a:t>2025/12/6</a:t>
             </a:fld>
             <a:endParaRPr lang="zh-CN" altLang="en-US"/>
           </a:p>
@@ -2914,7 +2921,7 @@
           <a:p>
             <a:fld id="{0834B572-3F4B-4F02-BC85-067D30731B0F}" type="datetimeFigureOut">
               <a:rPr lang="zh-CN" altLang="en-US" smtClean="0"/>
-              <a:t>2025/11/5</a:t>
+              <a:t>2025/12/6</a:t>
             </a:fld>
             <a:endParaRPr lang="zh-CN" altLang="en-US"/>
           </a:p>
@@ -4393,7 +4400,7 @@
         </p:nvSpPr>
         <p:spPr>
           <a:xfrm>
-            <a:off x="5911011" y="5759139"/>
+            <a:off x="9280176" y="5294578"/>
             <a:ext cx="1387366" cy="395715"/>
           </a:xfrm>
           <a:prstGeom prst="flowChartTerminator">
@@ -4442,7 +4449,7 @@
         </p:nvSpPr>
         <p:spPr>
           <a:xfrm>
-            <a:off x="5911011" y="3388538"/>
+            <a:off x="5911011" y="3747179"/>
             <a:ext cx="1387366" cy="395715"/>
           </a:xfrm>
           <a:prstGeom prst="flowChartTerminator">
@@ -4491,7 +4498,7 @@
         </p:nvSpPr>
         <p:spPr>
           <a:xfrm>
-            <a:off x="7641015" y="3388537"/>
+            <a:off x="7641015" y="3747178"/>
             <a:ext cx="1387366" cy="395715"/>
           </a:xfrm>
           <a:prstGeom prst="flowChartTerminator">
@@ -4541,7 +4548,7 @@
         </p:nvCxnSpPr>
         <p:spPr>
           <a:xfrm flipV="1">
-            <a:off x="7298377" y="3586395"/>
+            <a:off x="7298377" y="3945036"/>
             <a:ext cx="342638" cy="1"/>
           </a:xfrm>
           <a:prstGeom prst="straightConnector1">
@@ -4867,6 +4874,374 @@
             <a:ext cx="259904" cy="0"/>
           </a:xfrm>
           <a:prstGeom prst="straightConnector1">
+            <a:avLst/>
+          </a:prstGeom>
+          <a:ln>
+            <a:tailEnd type="triangle"/>
+          </a:ln>
+        </p:spPr>
+        <p:style>
+          <a:lnRef idx="1">
+            <a:schemeClr val="dk1"/>
+          </a:lnRef>
+          <a:fillRef idx="0">
+            <a:schemeClr val="dk1"/>
+          </a:fillRef>
+          <a:effectRef idx="0">
+            <a:schemeClr val="dk1"/>
+          </a:effectRef>
+          <a:fontRef idx="minor">
+            <a:schemeClr val="tx1"/>
+          </a:fontRef>
+        </p:style>
+      </p:cxnSp>
+      <p:sp>
+        <p:nvSpPr>
+          <p:cNvPr id="13" name="矩形: 圆角 12">
+            <a:extLst>
+              <a:ext uri="{FF2B5EF4-FFF2-40B4-BE49-F238E27FC236}">
+                <a16:creationId xmlns:a16="http://schemas.microsoft.com/office/drawing/2014/main" id="{B78901F7-52E7-58E8-28E5-CD87096DAA1B}"/>
+              </a:ext>
+            </a:extLst>
+          </p:cNvPr>
+          <p:cNvSpPr/>
+          <p:nvPr/>
+        </p:nvSpPr>
+        <p:spPr>
+          <a:xfrm>
+            <a:off x="5217327" y="5294578"/>
+            <a:ext cx="1387367" cy="395715"/>
+          </a:xfrm>
+          <a:prstGeom prst="roundRect">
+            <a:avLst>
+              <a:gd name="adj" fmla="val 15977"/>
+            </a:avLst>
+          </a:prstGeom>
+        </p:spPr>
+        <p:style>
+          <a:lnRef idx="1">
+            <a:schemeClr val="accent3"/>
+          </a:lnRef>
+          <a:fillRef idx="2">
+            <a:schemeClr val="accent3"/>
+          </a:fillRef>
+          <a:effectRef idx="1">
+            <a:schemeClr val="accent3"/>
+          </a:effectRef>
+          <a:fontRef idx="minor">
+            <a:schemeClr val="dk1"/>
+          </a:fontRef>
+        </p:style>
+        <p:txBody>
+          <a:bodyPr rtlCol="0" anchor="ctr"/>
+          <a:lstStyle/>
+          <a:p>
+            <a:r>
+              <a:rPr lang="en-US" altLang="zh-CN" sz="1100" dirty="0" err="1"/>
+              <a:t>UWidget_ConfirmScreen</a:t>
+            </a:r>
+            <a:endParaRPr lang="en-US" altLang="zh-CN" sz="1100" dirty="0"/>
+          </a:p>
+        </p:txBody>
+      </p:sp>
+      <p:cxnSp>
+        <p:nvCxnSpPr>
+          <p:cNvPr id="36" name="连接符: 肘形 35">
+            <a:extLst>
+              <a:ext uri="{FF2B5EF4-FFF2-40B4-BE49-F238E27FC236}">
+                <a16:creationId xmlns:a16="http://schemas.microsoft.com/office/drawing/2014/main" id="{B6276E56-5925-A044-04D7-B120D0C3C1C0}"/>
+              </a:ext>
+            </a:extLst>
+          </p:cNvPr>
+          <p:cNvCxnSpPr>
+            <a:cxnSpLocks/>
+            <a:stCxn id="12" idx="3"/>
+            <a:endCxn id="13" idx="1"/>
+          </p:cNvCxnSpPr>
+          <p:nvPr/>
+        </p:nvCxnSpPr>
+        <p:spPr>
+          <a:xfrm>
+            <a:off x="4957423" y="4813471"/>
+            <a:ext cx="259904" cy="678965"/>
+          </a:xfrm>
+          <a:prstGeom prst="bentConnector3">
+            <a:avLst/>
+          </a:prstGeom>
+          <a:ln>
+            <a:tailEnd type="triangle"/>
+          </a:ln>
+        </p:spPr>
+        <p:style>
+          <a:lnRef idx="1">
+            <a:schemeClr val="dk1"/>
+          </a:lnRef>
+          <a:fillRef idx="0">
+            <a:schemeClr val="dk1"/>
+          </a:fillRef>
+          <a:effectRef idx="0">
+            <a:schemeClr val="dk1"/>
+          </a:effectRef>
+          <a:fontRef idx="minor">
+            <a:schemeClr val="tx1"/>
+          </a:fontRef>
+        </p:style>
+      </p:cxnSp>
+      <p:sp>
+        <p:nvSpPr>
+          <p:cNvPr id="39" name="流程图: 终止 38">
+            <a:extLst>
+              <a:ext uri="{FF2B5EF4-FFF2-40B4-BE49-F238E27FC236}">
+                <a16:creationId xmlns:a16="http://schemas.microsoft.com/office/drawing/2014/main" id="{B68564FF-CE33-DF96-53AB-9DB29FFC8DA3}"/>
+              </a:ext>
+            </a:extLst>
+          </p:cNvPr>
+          <p:cNvSpPr/>
+          <p:nvPr/>
+        </p:nvSpPr>
+        <p:spPr>
+          <a:xfrm>
+            <a:off x="7641015" y="3095265"/>
+            <a:ext cx="1387366" cy="395715"/>
+          </a:xfrm>
+          <a:prstGeom prst="flowChartTerminator">
+            <a:avLst/>
+          </a:prstGeom>
+        </p:spPr>
+        <p:style>
+          <a:lnRef idx="2">
+            <a:schemeClr val="dk1"/>
+          </a:lnRef>
+          <a:fillRef idx="1">
+            <a:schemeClr val="lt1"/>
+          </a:fillRef>
+          <a:effectRef idx="0">
+            <a:schemeClr val="dk1"/>
+          </a:effectRef>
+          <a:fontRef idx="minor">
+            <a:schemeClr val="dk1"/>
+          </a:fontRef>
+        </p:style>
+        <p:txBody>
+          <a:bodyPr rtlCol="0" anchor="ctr"/>
+          <a:lstStyle/>
+          <a:p>
+            <a:r>
+              <a:rPr lang="en-US" altLang="zh-CN" sz="1100" dirty="0" err="1"/>
+              <a:t>UAsyncAction_PushConfirmScreen</a:t>
+            </a:r>
+            <a:endParaRPr lang="en-US" altLang="zh-CN" sz="1100" dirty="0"/>
+          </a:p>
+        </p:txBody>
+      </p:sp>
+      <p:cxnSp>
+        <p:nvCxnSpPr>
+          <p:cNvPr id="44" name="连接符: 肘形 43">
+            <a:extLst>
+              <a:ext uri="{FF2B5EF4-FFF2-40B4-BE49-F238E27FC236}">
+                <a16:creationId xmlns:a16="http://schemas.microsoft.com/office/drawing/2014/main" id="{6B1401C4-DC4F-FD9D-34C9-7D3FB320EB46}"/>
+              </a:ext>
+            </a:extLst>
+          </p:cNvPr>
+          <p:cNvCxnSpPr>
+            <a:cxnSpLocks/>
+            <a:stCxn id="22" idx="3"/>
+            <a:endCxn id="39" idx="1"/>
+          </p:cNvCxnSpPr>
+          <p:nvPr/>
+        </p:nvCxnSpPr>
+        <p:spPr>
+          <a:xfrm>
+            <a:off x="7298377" y="2641775"/>
+            <a:ext cx="342638" cy="651348"/>
+          </a:xfrm>
+          <a:prstGeom prst="bentConnector3">
+            <a:avLst>
+              <a:gd name="adj1" fmla="val 50000"/>
+            </a:avLst>
+          </a:prstGeom>
+          <a:ln>
+            <a:tailEnd type="triangle"/>
+          </a:ln>
+        </p:spPr>
+        <p:style>
+          <a:lnRef idx="1">
+            <a:schemeClr val="dk1"/>
+          </a:lnRef>
+          <a:fillRef idx="0">
+            <a:schemeClr val="dk1"/>
+          </a:fillRef>
+          <a:effectRef idx="0">
+            <a:schemeClr val="dk1"/>
+          </a:effectRef>
+          <a:fontRef idx="minor">
+            <a:schemeClr val="tx1"/>
+          </a:fontRef>
+        </p:style>
+      </p:cxnSp>
+      <p:sp>
+        <p:nvSpPr>
+          <p:cNvPr id="7" name="矩形: 圆角 6">
+            <a:extLst>
+              <a:ext uri="{FF2B5EF4-FFF2-40B4-BE49-F238E27FC236}">
+                <a16:creationId xmlns:a16="http://schemas.microsoft.com/office/drawing/2014/main" id="{86ACF4AD-00EF-AA1C-0919-90C1CDB44C10}"/>
+              </a:ext>
+            </a:extLst>
+          </p:cNvPr>
+          <p:cNvSpPr/>
+          <p:nvPr/>
+        </p:nvSpPr>
+        <p:spPr>
+          <a:xfrm>
+            <a:off x="6864598" y="5294577"/>
+            <a:ext cx="1387367" cy="395715"/>
+          </a:xfrm>
+          <a:prstGeom prst="roundRect">
+            <a:avLst>
+              <a:gd name="adj" fmla="val 15977"/>
+            </a:avLst>
+          </a:prstGeom>
+        </p:spPr>
+        <p:style>
+          <a:lnRef idx="1">
+            <a:schemeClr val="accent3"/>
+          </a:lnRef>
+          <a:fillRef idx="2">
+            <a:schemeClr val="accent3"/>
+          </a:fillRef>
+          <a:effectRef idx="1">
+            <a:schemeClr val="accent3"/>
+          </a:effectRef>
+          <a:fontRef idx="minor">
+            <a:schemeClr val="dk1"/>
+          </a:fontRef>
+        </p:style>
+        <p:txBody>
+          <a:bodyPr rtlCol="0" anchor="ctr"/>
+          <a:lstStyle/>
+          <a:p>
+            <a:r>
+              <a:rPr lang="en-US" altLang="zh-CN" sz="1100" dirty="0" err="1"/>
+              <a:t>WBP_CAW_ConfirmScreen</a:t>
+            </a:r>
+            <a:endParaRPr lang="en-US" altLang="zh-CN" sz="1100" dirty="0"/>
+          </a:p>
+        </p:txBody>
+      </p:sp>
+      <p:cxnSp>
+        <p:nvCxnSpPr>
+          <p:cNvPr id="19" name="直接箭头连接符 18">
+            <a:extLst>
+              <a:ext uri="{FF2B5EF4-FFF2-40B4-BE49-F238E27FC236}">
+                <a16:creationId xmlns:a16="http://schemas.microsoft.com/office/drawing/2014/main" id="{698327CA-95A1-546D-356C-994885B8B9BE}"/>
+              </a:ext>
+            </a:extLst>
+          </p:cNvPr>
+          <p:cNvCxnSpPr>
+            <a:cxnSpLocks/>
+            <a:stCxn id="13" idx="3"/>
+            <a:endCxn id="7" idx="1"/>
+          </p:cNvCxnSpPr>
+          <p:nvPr/>
+        </p:nvCxnSpPr>
+        <p:spPr>
+          <a:xfrm flipV="1">
+            <a:off x="6604694" y="5492435"/>
+            <a:ext cx="259904" cy="1"/>
+          </a:xfrm>
+          <a:prstGeom prst="straightConnector1">
+            <a:avLst/>
+          </a:prstGeom>
+          <a:ln>
+            <a:tailEnd type="triangle"/>
+          </a:ln>
+        </p:spPr>
+        <p:style>
+          <a:lnRef idx="1">
+            <a:schemeClr val="dk1"/>
+          </a:lnRef>
+          <a:fillRef idx="0">
+            <a:schemeClr val="dk1"/>
+          </a:fillRef>
+          <a:effectRef idx="0">
+            <a:schemeClr val="dk1"/>
+          </a:effectRef>
+          <a:fontRef idx="minor">
+            <a:schemeClr val="tx1"/>
+          </a:fontRef>
+        </p:style>
+      </p:cxnSp>
+      <p:sp>
+        <p:nvSpPr>
+          <p:cNvPr id="45" name="矩形: 圆角 44">
+            <a:extLst>
+              <a:ext uri="{FF2B5EF4-FFF2-40B4-BE49-F238E27FC236}">
+                <a16:creationId xmlns:a16="http://schemas.microsoft.com/office/drawing/2014/main" id="{DE68F501-160D-43C8-36A6-17B69086338A}"/>
+              </a:ext>
+            </a:extLst>
+          </p:cNvPr>
+          <p:cNvSpPr/>
+          <p:nvPr/>
+        </p:nvSpPr>
+        <p:spPr>
+          <a:xfrm>
+            <a:off x="5217326" y="5984861"/>
+            <a:ext cx="1387367" cy="395715"/>
+          </a:xfrm>
+          <a:prstGeom prst="roundRect">
+            <a:avLst>
+              <a:gd name="adj" fmla="val 15977"/>
+            </a:avLst>
+          </a:prstGeom>
+        </p:spPr>
+        <p:style>
+          <a:lnRef idx="1">
+            <a:schemeClr val="accent3"/>
+          </a:lnRef>
+          <a:fillRef idx="2">
+            <a:schemeClr val="accent3"/>
+          </a:fillRef>
+          <a:effectRef idx="1">
+            <a:schemeClr val="accent3"/>
+          </a:effectRef>
+          <a:fontRef idx="minor">
+            <a:schemeClr val="dk1"/>
+          </a:fontRef>
+        </p:style>
+        <p:txBody>
+          <a:bodyPr rtlCol="0" anchor="ctr"/>
+          <a:lstStyle/>
+          <a:p>
+            <a:r>
+              <a:rPr lang="en-US" altLang="zh-CN" sz="1100" dirty="0" err="1"/>
+              <a:t>UWidget_ConfirmScreen</a:t>
+            </a:r>
+            <a:endParaRPr lang="en-US" altLang="zh-CN" sz="1100" dirty="0"/>
+          </a:p>
+        </p:txBody>
+      </p:sp>
+      <p:cxnSp>
+        <p:nvCxnSpPr>
+          <p:cNvPr id="49" name="连接符: 肘形 48">
+            <a:extLst>
+              <a:ext uri="{FF2B5EF4-FFF2-40B4-BE49-F238E27FC236}">
+                <a16:creationId xmlns:a16="http://schemas.microsoft.com/office/drawing/2014/main" id="{480FDF1D-9B24-5DD6-8E85-5A0635472450}"/>
+              </a:ext>
+            </a:extLst>
+          </p:cNvPr>
+          <p:cNvCxnSpPr>
+            <a:cxnSpLocks/>
+            <a:stCxn id="12" idx="3"/>
+            <a:endCxn id="45" idx="1"/>
+          </p:cNvCxnSpPr>
+          <p:nvPr/>
+        </p:nvCxnSpPr>
+        <p:spPr>
+          <a:xfrm>
+            <a:off x="4957423" y="4813471"/>
+            <a:ext cx="259903" cy="1369248"/>
+          </a:xfrm>
+          <a:prstGeom prst="bentConnector3">
             <a:avLst/>
           </a:prstGeom>
           <a:ln>
@@ -4901,7 +5276,3536 @@
 </p:sld>
 </file>
 
+<file path=ppt/slides/slide10.xml><?xml version="1.0" encoding="utf-8"?>
+<p:sld xmlns:a="http://schemas.openxmlformats.org/drawingml/2006/main" xmlns:r="http://schemas.openxmlformats.org/officeDocument/2006/relationships" xmlns:p="http://schemas.openxmlformats.org/presentationml/2006/main">
+  <p:cSld>
+    <p:spTree>
+      <p:nvGrpSpPr>
+        <p:cNvPr id="1" name="">
+          <a:extLst>
+            <a:ext uri="{FF2B5EF4-FFF2-40B4-BE49-F238E27FC236}">
+              <a16:creationId xmlns:a16="http://schemas.microsoft.com/office/drawing/2014/main" id="{3A012162-19C6-E77E-581B-27B92B5BFD9B}"/>
+            </a:ext>
+          </a:extLst>
+        </p:cNvPr>
+        <p:cNvGrpSpPr/>
+        <p:nvPr/>
+      </p:nvGrpSpPr>
+      <p:grpSpPr>
+        <a:xfrm>
+          <a:off x="0" y="0"/>
+          <a:ext cx="0" cy="0"/>
+          <a:chOff x="0" y="0"/>
+          <a:chExt cx="0" cy="0"/>
+        </a:xfrm>
+      </p:grpSpPr>
+      <p:sp>
+        <p:nvSpPr>
+          <p:cNvPr id="2" name="标题 1">
+            <a:extLst>
+              <a:ext uri="{FF2B5EF4-FFF2-40B4-BE49-F238E27FC236}">
+                <a16:creationId xmlns:a16="http://schemas.microsoft.com/office/drawing/2014/main" id="{5D719B01-5FAA-031B-50F9-3DEF19DE1DF8}"/>
+              </a:ext>
+            </a:extLst>
+          </p:cNvPr>
+          <p:cNvSpPr>
+            <a:spLocks noGrp="1"/>
+          </p:cNvSpPr>
+          <p:nvPr>
+            <p:ph type="ctrTitle"/>
+          </p:nvPr>
+        </p:nvSpPr>
+        <p:spPr>
+          <a:xfrm>
+            <a:off x="4597224" y="227022"/>
+            <a:ext cx="2115995" cy="632539"/>
+          </a:xfrm>
+        </p:spPr>
+        <p:txBody>
+          <a:bodyPr>
+            <a:normAutofit fontScale="90000"/>
+          </a:bodyPr>
+          <a:lstStyle/>
+          <a:p>
+            <a:r>
+              <a:rPr lang="zh-CN" altLang="en-US" sz="4000" dirty="0"/>
+              <a:t>类的功能</a:t>
+            </a:r>
+          </a:p>
+        </p:txBody>
+      </p:sp>
+      <p:sp>
+        <p:nvSpPr>
+          <p:cNvPr id="7" name="标题 1">
+            <a:extLst>
+              <a:ext uri="{FF2B5EF4-FFF2-40B4-BE49-F238E27FC236}">
+                <a16:creationId xmlns:a16="http://schemas.microsoft.com/office/drawing/2014/main" id="{8996D210-AA2B-1005-FD1D-8E6FC86454FB}"/>
+              </a:ext>
+            </a:extLst>
+          </p:cNvPr>
+          <p:cNvSpPr txBox="1">
+            <a:spLocks/>
+          </p:cNvSpPr>
+          <p:nvPr/>
+        </p:nvSpPr>
+        <p:spPr>
+          <a:xfrm>
+            <a:off x="594986" y="807929"/>
+            <a:ext cx="3206663" cy="348083"/>
+          </a:xfrm>
+          <a:prstGeom prst="rect">
+            <a:avLst/>
+          </a:prstGeom>
+        </p:spPr>
+        <p:txBody>
+          <a:bodyPr vert="horz" lIns="91440" tIns="45720" rIns="91440" bIns="45720" rtlCol="0" anchor="b">
+            <a:noAutofit/>
+          </a:bodyPr>
+          <a:lstStyle>
+            <a:lvl1pPr algn="ctr" defTabSz="914400" rtl="0" eaLnBrk="1" latinLnBrk="0" hangingPunct="1">
+              <a:lnSpc>
+                <a:spcPct val="90000"/>
+              </a:lnSpc>
+              <a:spcBef>
+                <a:spcPct val="0"/>
+              </a:spcBef>
+              <a:buNone/>
+              <a:defRPr sz="6000" kern="1200">
+                <a:solidFill>
+                  <a:schemeClr val="tx1"/>
+                </a:solidFill>
+                <a:latin typeface="+mj-lt"/>
+                <a:ea typeface="+mj-ea"/>
+                <a:cs typeface="+mj-cs"/>
+              </a:defRPr>
+            </a:lvl1pPr>
+          </a:lstStyle>
+          <a:p>
+            <a:r>
+              <a:rPr lang="en-US" altLang="zh-CN" sz="2000" b="1" dirty="0"/>
+              <a:t>• </a:t>
+            </a:r>
+            <a:r>
+              <a:rPr lang="en-US" altLang="zh-CN" sz="2000" b="1" dirty="0" err="1"/>
+              <a:t>UCommonButtonBase</a:t>
+            </a:r>
+            <a:endParaRPr lang="en-US" altLang="zh-CN" sz="2000" b="1" dirty="0"/>
+          </a:p>
+        </p:txBody>
+      </p:sp>
+      <p:sp>
+        <p:nvSpPr>
+          <p:cNvPr id="13" name="文本框 12">
+            <a:extLst>
+              <a:ext uri="{FF2B5EF4-FFF2-40B4-BE49-F238E27FC236}">
+                <a16:creationId xmlns:a16="http://schemas.microsoft.com/office/drawing/2014/main" id="{C64A8B07-0780-4049-3F00-970CDD871415}"/>
+              </a:ext>
+            </a:extLst>
+          </p:cNvPr>
+          <p:cNvSpPr txBox="1"/>
+          <p:nvPr/>
+        </p:nvSpPr>
+        <p:spPr>
+          <a:xfrm>
+            <a:off x="745298" y="1156012"/>
+            <a:ext cx="6951946" cy="954107"/>
+          </a:xfrm>
+          <a:prstGeom prst="rect">
+            <a:avLst/>
+          </a:prstGeom>
+          <a:noFill/>
+        </p:spPr>
+        <p:txBody>
+          <a:bodyPr wrap="square" rtlCol="0">
+            <a:spAutoFit/>
+          </a:bodyPr>
+          <a:lstStyle/>
+          <a:p>
+            <a:r>
+              <a:rPr lang="en-US" altLang="zh-CN" sz="1400" b="1" dirty="0"/>
+              <a:t>•</a:t>
+            </a:r>
+            <a:r>
+              <a:rPr lang="zh-CN" altLang="en-US" sz="1400" dirty="0"/>
+              <a:t>支持集中样式资源管理，包括按钮样式和按钮文本样式的样式资源。</a:t>
+            </a:r>
+            <a:endParaRPr lang="en-US" altLang="zh-CN" sz="1400" dirty="0"/>
+          </a:p>
+          <a:p>
+            <a:r>
+              <a:rPr lang="en-US" altLang="zh-CN" sz="1400" b="1" dirty="0"/>
+              <a:t>•</a:t>
+            </a:r>
+            <a:r>
+              <a:rPr lang="zh-CN" altLang="en-US" sz="1400" dirty="0"/>
+              <a:t>通过自定义输入轻松触发，通过数据表配置输入。</a:t>
+            </a:r>
+            <a:endParaRPr lang="en-US" altLang="zh-CN" sz="1400" dirty="0"/>
+          </a:p>
+          <a:p>
+            <a:r>
+              <a:rPr lang="en-US" altLang="zh-CN" sz="1400" b="1" dirty="0"/>
+              <a:t>•</a:t>
+            </a:r>
+            <a:r>
+              <a:rPr lang="zh-CN" altLang="en-US" sz="1400" dirty="0"/>
+              <a:t>自动响应输入法的变化，比如键鼠切换到手柄。如果已绑定，则更新平台特定图标。</a:t>
+            </a:r>
+            <a:endParaRPr lang="en-US" altLang="zh-CN" sz="1400" dirty="0"/>
+          </a:p>
+          <a:p>
+            <a:r>
+              <a:rPr lang="en-US" altLang="zh-CN" sz="1400" b="1" dirty="0"/>
+              <a:t>•</a:t>
+            </a:r>
+            <a:r>
+              <a:rPr lang="zh-CN" altLang="en-US" sz="1400" b="1" dirty="0"/>
+              <a:t> </a:t>
+            </a:r>
+            <a:r>
+              <a:rPr lang="zh-CN" altLang="en-US" sz="1400" dirty="0"/>
+              <a:t>原生支持游戏手柄的焦点管理和导航，无需开发者从头构建复杂的导航逻辑。</a:t>
+            </a:r>
+            <a:endParaRPr lang="en-US" altLang="zh-CN" sz="1400" b="1" dirty="0"/>
+          </a:p>
+        </p:txBody>
+      </p:sp>
+      <p:sp>
+        <p:nvSpPr>
+          <p:cNvPr id="37" name="标题 1">
+            <a:extLst>
+              <a:ext uri="{FF2B5EF4-FFF2-40B4-BE49-F238E27FC236}">
+                <a16:creationId xmlns:a16="http://schemas.microsoft.com/office/drawing/2014/main" id="{A0CC0414-9A43-4218-6F17-23CEA40C477B}"/>
+              </a:ext>
+            </a:extLst>
+          </p:cNvPr>
+          <p:cNvSpPr txBox="1">
+            <a:spLocks/>
+          </p:cNvSpPr>
+          <p:nvPr/>
+        </p:nvSpPr>
+        <p:spPr>
+          <a:xfrm>
+            <a:off x="594986" y="2110119"/>
+            <a:ext cx="3682442" cy="348083"/>
+          </a:xfrm>
+          <a:prstGeom prst="rect">
+            <a:avLst/>
+          </a:prstGeom>
+        </p:spPr>
+        <p:txBody>
+          <a:bodyPr vert="horz" lIns="91440" tIns="45720" rIns="91440" bIns="45720" rtlCol="0" anchor="b">
+            <a:noAutofit/>
+          </a:bodyPr>
+          <a:lstStyle>
+            <a:lvl1pPr algn="ctr" defTabSz="914400" rtl="0" eaLnBrk="1" latinLnBrk="0" hangingPunct="1">
+              <a:lnSpc>
+                <a:spcPct val="90000"/>
+              </a:lnSpc>
+              <a:spcBef>
+                <a:spcPct val="0"/>
+              </a:spcBef>
+              <a:buNone/>
+              <a:defRPr sz="6000" kern="1200">
+                <a:solidFill>
+                  <a:schemeClr val="tx1"/>
+                </a:solidFill>
+                <a:latin typeface="+mj-lt"/>
+                <a:ea typeface="+mj-ea"/>
+                <a:cs typeface="+mj-cs"/>
+              </a:defRPr>
+            </a:lvl1pPr>
+          </a:lstStyle>
+          <a:p>
+            <a:r>
+              <a:rPr lang="en-US" altLang="zh-CN" sz="2000" b="1" dirty="0"/>
+              <a:t>•</a:t>
+            </a:r>
+            <a:r>
+              <a:rPr lang="en-US" altLang="zh-CN" sz="2000" b="1" dirty="0" err="1"/>
+              <a:t>UFrontendCommonButtonBase</a:t>
+            </a:r>
+            <a:endParaRPr lang="en-US" altLang="zh-CN" sz="2000" b="1" dirty="0"/>
+          </a:p>
+        </p:txBody>
+      </p:sp>
+      <p:sp>
+        <p:nvSpPr>
+          <p:cNvPr id="44" name="文本框 43">
+            <a:extLst>
+              <a:ext uri="{FF2B5EF4-FFF2-40B4-BE49-F238E27FC236}">
+                <a16:creationId xmlns:a16="http://schemas.microsoft.com/office/drawing/2014/main" id="{58C57292-FCDB-0CD3-09EB-E10C9BB0DD84}"/>
+              </a:ext>
+            </a:extLst>
+          </p:cNvPr>
+          <p:cNvSpPr txBox="1"/>
+          <p:nvPr/>
+        </p:nvSpPr>
+        <p:spPr>
+          <a:xfrm>
+            <a:off x="638827" y="2458202"/>
+            <a:ext cx="10958187" cy="1661993"/>
+          </a:xfrm>
+          <a:prstGeom prst="rect">
+            <a:avLst/>
+          </a:prstGeom>
+          <a:noFill/>
+        </p:spPr>
+        <p:txBody>
+          <a:bodyPr wrap="square" rtlCol="0">
+            <a:spAutoFit/>
+          </a:bodyPr>
+          <a:lstStyle/>
+          <a:p>
+            <a:r>
+              <a:rPr lang="en-US" altLang="zh-CN" sz="1400" dirty="0" err="1"/>
+              <a:t>UFrontEndCommonButtonBase</a:t>
+            </a:r>
+            <a:r>
+              <a:rPr lang="en-US" altLang="zh-CN" sz="1400" dirty="0"/>
+              <a:t> </a:t>
+            </a:r>
+            <a:r>
+              <a:rPr lang="zh-CN" altLang="en-US" sz="1400" dirty="0"/>
+              <a:t>是一个基于 </a:t>
+            </a:r>
+            <a:r>
+              <a:rPr lang="en-US" altLang="zh-CN" sz="1400" dirty="0"/>
+              <a:t>Common UI </a:t>
+            </a:r>
+            <a:r>
+              <a:rPr lang="zh-CN" altLang="en-US" sz="1400" dirty="0"/>
+              <a:t>的 </a:t>
+            </a:r>
+            <a:r>
+              <a:rPr lang="en-US" altLang="zh-CN" sz="1400" dirty="0" err="1"/>
+              <a:t>UCommonButtonBase</a:t>
+            </a:r>
+            <a:r>
+              <a:rPr lang="en-US" altLang="zh-CN" sz="1400" dirty="0"/>
+              <a:t> </a:t>
+            </a:r>
+            <a:r>
+              <a:rPr lang="zh-CN" altLang="en-US" sz="1400" dirty="0"/>
+              <a:t>扩展 </a:t>
+            </a:r>
+            <a:r>
+              <a:rPr lang="en-US" altLang="zh-CN" sz="1400" dirty="0"/>
+              <a:t>C++ </a:t>
+            </a:r>
+            <a:r>
+              <a:rPr lang="zh-CN" altLang="en-US" sz="1400" dirty="0"/>
+              <a:t>按钮基类，旨在为游戏前端 </a:t>
+            </a:r>
+            <a:r>
+              <a:rPr lang="en-US" altLang="zh-CN" sz="1400" dirty="0"/>
+              <a:t>UI </a:t>
+            </a:r>
+            <a:r>
+              <a:rPr lang="zh-CN" altLang="en-US" sz="1400" dirty="0"/>
+              <a:t>提供增强的文本显示和控制功能。它通过定义可选的绑定点 </a:t>
+            </a:r>
+            <a:r>
+              <a:rPr lang="en-US" altLang="zh-CN" sz="1400" dirty="0" err="1"/>
+              <a:t>CommonTextBlock_ButtonText</a:t>
+            </a:r>
+            <a:r>
+              <a:rPr lang="en-US" altLang="zh-CN" sz="1400" dirty="0"/>
+              <a:t> </a:t>
+            </a:r>
+            <a:r>
+              <a:rPr lang="zh-CN" altLang="en-US" sz="1400" dirty="0"/>
+              <a:t>来连接蓝图中的文本控件，并添加了 </a:t>
+            </a:r>
+            <a:r>
+              <a:rPr lang="en-US" altLang="zh-CN" sz="1400" dirty="0" err="1"/>
+              <a:t>ButtonDisplayText</a:t>
+            </a:r>
+            <a:r>
+              <a:rPr lang="en-US" altLang="zh-CN" sz="1400" dirty="0"/>
+              <a:t> </a:t>
+            </a:r>
+            <a:r>
+              <a:rPr lang="zh-CN" altLang="en-US" sz="1400" dirty="0"/>
+              <a:t>和 </a:t>
+            </a:r>
+            <a:r>
+              <a:rPr lang="en-US" altLang="zh-CN" sz="1400" dirty="0" err="1"/>
+              <a:t>ButtonDescriptionText</a:t>
+            </a:r>
+            <a:r>
+              <a:rPr lang="en-US" altLang="zh-CN" sz="1400" dirty="0"/>
+              <a:t> </a:t>
+            </a:r>
+            <a:r>
+              <a:rPr lang="zh-CN" altLang="en-US" sz="1400" dirty="0"/>
+              <a:t>属性来管理按钮的主要显示文本和描述文本。该类最主要的功能是实现了 </a:t>
+            </a:r>
+            <a:r>
+              <a:rPr lang="en-US" altLang="zh-CN" sz="1400" dirty="0" err="1"/>
+              <a:t>SetButtonText</a:t>
+            </a:r>
+            <a:r>
+              <a:rPr lang="en-US" altLang="zh-CN" sz="1400" dirty="0"/>
+              <a:t> </a:t>
+            </a:r>
+            <a:r>
+              <a:rPr lang="zh-CN" altLang="en-US" sz="1400" dirty="0"/>
+              <a:t>函数，该函数负责处理文本的非空检查和转换逻辑，特别是允许通过 </a:t>
+            </a:r>
+            <a:r>
+              <a:rPr lang="en-US" altLang="zh-CN" sz="1400" dirty="0" err="1"/>
+              <a:t>bUseUppercaseForButtonText</a:t>
+            </a:r>
+            <a:r>
+              <a:rPr lang="en-US" altLang="zh-CN" sz="1400" dirty="0"/>
+              <a:t> </a:t>
+            </a:r>
+            <a:r>
+              <a:rPr lang="zh-CN" altLang="en-US" sz="1400" dirty="0"/>
+              <a:t>属性控制文本是否自动转换为大写，同时，通过覆盖 </a:t>
+            </a:r>
+            <a:r>
+              <a:rPr lang="en-US" altLang="zh-CN" sz="1400" dirty="0" err="1"/>
+              <a:t>NativePreConstruct</a:t>
+            </a:r>
+            <a:r>
+              <a:rPr lang="en-US" altLang="zh-CN" sz="1400" dirty="0"/>
+              <a:t>() </a:t>
+            </a:r>
+            <a:r>
+              <a:rPr lang="zh-CN" altLang="en-US" sz="1400" dirty="0"/>
+              <a:t>函数，确保这些 </a:t>
+            </a:r>
+            <a:r>
+              <a:rPr lang="en-US" altLang="zh-CN" sz="1400" dirty="0"/>
+              <a:t>C++ </a:t>
+            </a:r>
+            <a:r>
+              <a:rPr lang="zh-CN" altLang="en-US" sz="1400" dirty="0"/>
+              <a:t>定义的文本和样式控制在蓝图编辑器中能够实现实时预览和更新。</a:t>
+            </a:r>
+            <a:endParaRPr lang="en-US" altLang="zh-CN" sz="1400" dirty="0"/>
+          </a:p>
+          <a:p>
+            <a:r>
+              <a:rPr lang="en-US" altLang="zh-CN" sz="1400" dirty="0" err="1"/>
+              <a:t>NativeOnCurrentTextStyleChanged</a:t>
+            </a:r>
+            <a:r>
+              <a:rPr lang="zh-CN" altLang="en-US" sz="1400" dirty="0"/>
+              <a:t>重载实现手动更新文本样式。该函数会在按钮状态改变（如悬停、选中等）时被调用。</a:t>
+            </a:r>
+            <a:endParaRPr lang="en-US" altLang="zh-CN" sz="1400" dirty="0"/>
+          </a:p>
+          <a:p>
+            <a:r>
+              <a:rPr lang="en-US" altLang="zh-CN" sz="1400" dirty="0" err="1"/>
+              <a:t>NativeOnHovered</a:t>
+            </a:r>
+            <a:r>
+              <a:rPr lang="en-US" altLang="zh-CN" sz="1400" dirty="0"/>
+              <a:t>()</a:t>
+            </a:r>
+            <a:r>
+              <a:rPr lang="zh-CN" altLang="en-US" sz="1400" dirty="0"/>
+              <a:t>和</a:t>
+            </a:r>
+            <a:r>
+              <a:rPr lang="en-US" altLang="zh-CN" sz="1400" dirty="0" err="1"/>
+              <a:t>NativeOnUnhovered</a:t>
+            </a:r>
+            <a:r>
+              <a:rPr lang="zh-CN" altLang="en-US" sz="1400" dirty="0"/>
+              <a:t>重载</a:t>
+            </a:r>
+            <a:r>
+              <a:rPr lang="en-US" altLang="zh-CN" sz="1400" dirty="0"/>
+              <a:t>,</a:t>
+            </a:r>
+            <a:r>
+              <a:rPr lang="zh-CN" altLang="en-US" sz="1400" dirty="0"/>
+              <a:t>获取 </a:t>
+            </a:r>
+            <a:r>
+              <a:rPr lang="en-US" altLang="zh-CN" sz="1400" dirty="0" err="1"/>
+              <a:t>UFrontendUISubsystem</a:t>
+            </a:r>
+            <a:r>
+              <a:rPr lang="en-US" altLang="zh-CN" sz="1400" dirty="0"/>
+              <a:t> </a:t>
+            </a:r>
+            <a:r>
+              <a:rPr lang="zh-CN" altLang="en-US" sz="1400" dirty="0"/>
+              <a:t>实例。以此广播按钮本身和它的描述文本。</a:t>
+            </a:r>
+            <a:endParaRPr lang="en-US" altLang="zh-CN" sz="1400" dirty="0"/>
+          </a:p>
+        </p:txBody>
+      </p:sp>
+      <p:sp>
+        <p:nvSpPr>
+          <p:cNvPr id="5" name="标题 1">
+            <a:extLst>
+              <a:ext uri="{FF2B5EF4-FFF2-40B4-BE49-F238E27FC236}">
+                <a16:creationId xmlns:a16="http://schemas.microsoft.com/office/drawing/2014/main" id="{135B7E08-7C86-83D9-D822-6072BE89273F}"/>
+              </a:ext>
+            </a:extLst>
+          </p:cNvPr>
+          <p:cNvSpPr txBox="1">
+            <a:spLocks/>
+          </p:cNvSpPr>
+          <p:nvPr/>
+        </p:nvSpPr>
+        <p:spPr>
+          <a:xfrm>
+            <a:off x="294277" y="4225757"/>
+            <a:ext cx="3206663" cy="348083"/>
+          </a:xfrm>
+          <a:prstGeom prst="rect">
+            <a:avLst/>
+          </a:prstGeom>
+        </p:spPr>
+        <p:txBody>
+          <a:bodyPr vert="horz" lIns="91440" tIns="45720" rIns="91440" bIns="45720" rtlCol="0" anchor="b">
+            <a:noAutofit/>
+          </a:bodyPr>
+          <a:lstStyle>
+            <a:lvl1pPr algn="ctr" defTabSz="914400" rtl="0" eaLnBrk="1" latinLnBrk="0" hangingPunct="1">
+              <a:lnSpc>
+                <a:spcPct val="90000"/>
+              </a:lnSpc>
+              <a:spcBef>
+                <a:spcPct val="0"/>
+              </a:spcBef>
+              <a:buNone/>
+              <a:defRPr sz="6000" kern="1200">
+                <a:solidFill>
+                  <a:schemeClr val="tx1"/>
+                </a:solidFill>
+                <a:latin typeface="+mj-lt"/>
+                <a:ea typeface="+mj-ea"/>
+                <a:cs typeface="+mj-cs"/>
+              </a:defRPr>
+            </a:lvl1pPr>
+          </a:lstStyle>
+          <a:p>
+            <a:r>
+              <a:rPr lang="en-US" altLang="zh-CN" sz="1800" b="1" dirty="0"/>
+              <a:t>• </a:t>
+            </a:r>
+            <a:r>
+              <a:rPr lang="en-US" altLang="zh-CN" sz="1800" b="1" dirty="0" err="1"/>
+              <a:t>WBP_Button_Default</a:t>
+            </a:r>
+            <a:endParaRPr lang="en-US" altLang="zh-CN" sz="1800" b="1" dirty="0"/>
+          </a:p>
+        </p:txBody>
+      </p:sp>
+      <p:sp>
+        <p:nvSpPr>
+          <p:cNvPr id="6" name="文本框 5">
+            <a:extLst>
+              <a:ext uri="{FF2B5EF4-FFF2-40B4-BE49-F238E27FC236}">
+                <a16:creationId xmlns:a16="http://schemas.microsoft.com/office/drawing/2014/main" id="{A73FD0B0-6AA9-97BC-BF76-CBE0B6AB07F5}"/>
+              </a:ext>
+            </a:extLst>
+          </p:cNvPr>
+          <p:cNvSpPr txBox="1"/>
+          <p:nvPr/>
+        </p:nvSpPr>
+        <p:spPr>
+          <a:xfrm>
+            <a:off x="638827" y="4573840"/>
+            <a:ext cx="6951946" cy="1600438"/>
+          </a:xfrm>
+          <a:prstGeom prst="rect">
+            <a:avLst/>
+          </a:prstGeom>
+          <a:noFill/>
+        </p:spPr>
+        <p:txBody>
+          <a:bodyPr wrap="square" rtlCol="0">
+            <a:spAutoFit/>
+          </a:bodyPr>
+          <a:lstStyle/>
+          <a:p>
+            <a:r>
+              <a:rPr lang="en-US" altLang="zh-CN" sz="1400" dirty="0" err="1"/>
+              <a:t>WB_Button_Default</a:t>
+            </a:r>
+            <a:r>
+              <a:rPr lang="en-US" altLang="zh-CN" sz="1400" dirty="0"/>
+              <a:t> </a:t>
+            </a:r>
+            <a:r>
+              <a:rPr lang="zh-CN" altLang="en-US" sz="1400" dirty="0"/>
+              <a:t>蓝图 </a:t>
+            </a:r>
+            <a:r>
+              <a:rPr lang="en-US" altLang="zh-CN" sz="1400" dirty="0"/>
+              <a:t>Widget </a:t>
+            </a:r>
+            <a:r>
+              <a:rPr lang="zh-CN" altLang="en-US" sz="1400" dirty="0"/>
+              <a:t>作为整个项目的主菜单标准按钮模板，其核心作用是继承自 </a:t>
+            </a:r>
+            <a:r>
+              <a:rPr lang="en-US" altLang="zh-CN" sz="1400" dirty="0"/>
+              <a:t>C++ </a:t>
+            </a:r>
+            <a:r>
+              <a:rPr lang="zh-CN" altLang="en-US" sz="1400" dirty="0"/>
+              <a:t>基类 </a:t>
+            </a:r>
+            <a:r>
+              <a:rPr lang="en-US" altLang="zh-CN" sz="1400" dirty="0" err="1"/>
+              <a:t>UFrontEndCommonButtonBase</a:t>
+            </a:r>
+            <a:r>
+              <a:rPr lang="en-US" altLang="zh-CN" sz="1400" dirty="0"/>
+              <a:t> </a:t>
+            </a:r>
+            <a:r>
+              <a:rPr lang="zh-CN" altLang="en-US" sz="1400" dirty="0"/>
+              <a:t>并实现功能与视觉的绑定。具体来说，它在蓝图中构建了以 </a:t>
+            </a:r>
+            <a:r>
+              <a:rPr lang="en-US" altLang="zh-CN" sz="1400" dirty="0"/>
+              <a:t>Overlay </a:t>
+            </a:r>
+            <a:r>
+              <a:rPr lang="zh-CN" altLang="en-US" sz="1400" dirty="0"/>
+              <a:t>为根容器的 </a:t>
+            </a:r>
+            <a:r>
+              <a:rPr lang="en-US" altLang="zh-CN" sz="1400" dirty="0"/>
+              <a:t>UI </a:t>
+            </a:r>
+            <a:r>
+              <a:rPr lang="zh-CN" altLang="en-US" sz="1400" dirty="0"/>
+              <a:t>结构，应用了透明背景的通用样式，最关键的是，它通过将内部的文本控件命名为 </a:t>
+            </a:r>
+            <a:r>
+              <a:rPr lang="en-US" altLang="zh-CN" sz="1400" dirty="0"/>
+              <a:t>C++ </a:t>
+            </a:r>
+            <a:r>
+              <a:rPr lang="zh-CN" altLang="en-US" sz="1400" dirty="0"/>
+              <a:t>中预设的 </a:t>
+            </a:r>
+            <a:r>
+              <a:rPr lang="en-US" altLang="zh-CN" sz="1400" dirty="0" err="1"/>
+              <a:t>CommonTextBlock_ButtonText</a:t>
+            </a:r>
+            <a:r>
+              <a:rPr lang="zh-CN" altLang="en-US" sz="1400" dirty="0"/>
+              <a:t>，成功地将 </a:t>
+            </a:r>
+            <a:r>
+              <a:rPr lang="en-US" altLang="zh-CN" sz="1400" dirty="0"/>
+              <a:t>C++ </a:t>
+            </a:r>
+            <a:r>
+              <a:rPr lang="zh-CN" altLang="en-US" sz="1400" dirty="0"/>
+              <a:t>代码定义的文本控制逻辑（包括 </a:t>
+            </a:r>
+            <a:r>
+              <a:rPr lang="en-US" altLang="zh-CN" sz="1400" dirty="0" err="1"/>
+              <a:t>ButtonDisplayText</a:t>
+            </a:r>
+            <a:r>
+              <a:rPr lang="en-US" altLang="zh-CN" sz="1400" dirty="0"/>
+              <a:t> </a:t>
+            </a:r>
+            <a:r>
+              <a:rPr lang="zh-CN" altLang="en-US" sz="1400" dirty="0"/>
+              <a:t>属性和大小写转换功能）连接到蓝图的视觉组件上，从而成为一个可复用、样式化、且功能已完全绑定的前端 </a:t>
+            </a:r>
+            <a:r>
+              <a:rPr lang="en-US" altLang="zh-CN" sz="1400" dirty="0"/>
+              <a:t>UI </a:t>
+            </a:r>
+            <a:r>
+              <a:rPr lang="zh-CN" altLang="en-US" sz="1400" dirty="0"/>
+              <a:t>组件。</a:t>
+            </a:r>
+          </a:p>
+        </p:txBody>
+      </p:sp>
+    </p:spTree>
+    <p:extLst>
+      <p:ext uri="{BB962C8B-B14F-4D97-AF65-F5344CB8AC3E}">
+        <p14:creationId xmlns:p14="http://schemas.microsoft.com/office/powerpoint/2010/main" val="1440442348"/>
+      </p:ext>
+    </p:extLst>
+  </p:cSld>
+  <p:clrMapOvr>
+    <a:masterClrMapping/>
+  </p:clrMapOvr>
+</p:sld>
+</file>
+
+<file path=ppt/slides/slide11.xml><?xml version="1.0" encoding="utf-8"?>
+<p:sld xmlns:a="http://schemas.openxmlformats.org/drawingml/2006/main" xmlns:r="http://schemas.openxmlformats.org/officeDocument/2006/relationships" xmlns:p="http://schemas.openxmlformats.org/presentationml/2006/main">
+  <p:cSld>
+    <p:spTree>
+      <p:nvGrpSpPr>
+        <p:cNvPr id="1" name="">
+          <a:extLst>
+            <a:ext uri="{FF2B5EF4-FFF2-40B4-BE49-F238E27FC236}">
+              <a16:creationId xmlns:a16="http://schemas.microsoft.com/office/drawing/2014/main" id="{1C9E125E-42E1-3825-D6FB-44CCD9688DAA}"/>
+            </a:ext>
+          </a:extLst>
+        </p:cNvPr>
+        <p:cNvGrpSpPr/>
+        <p:nvPr/>
+      </p:nvGrpSpPr>
+      <p:grpSpPr>
+        <a:xfrm>
+          <a:off x="0" y="0"/>
+          <a:ext cx="0" cy="0"/>
+          <a:chOff x="0" y="0"/>
+          <a:chExt cx="0" cy="0"/>
+        </a:xfrm>
+      </p:grpSpPr>
+      <p:sp>
+        <p:nvSpPr>
+          <p:cNvPr id="2" name="标题 1">
+            <a:extLst>
+              <a:ext uri="{FF2B5EF4-FFF2-40B4-BE49-F238E27FC236}">
+                <a16:creationId xmlns:a16="http://schemas.microsoft.com/office/drawing/2014/main" id="{A34E1071-C93B-F590-70E9-361980C75B74}"/>
+              </a:ext>
+            </a:extLst>
+          </p:cNvPr>
+          <p:cNvSpPr>
+            <a:spLocks noGrp="1"/>
+          </p:cNvSpPr>
+          <p:nvPr>
+            <p:ph type="ctrTitle"/>
+          </p:nvPr>
+        </p:nvSpPr>
+        <p:spPr>
+          <a:xfrm>
+            <a:off x="4597224" y="227022"/>
+            <a:ext cx="2115995" cy="632539"/>
+          </a:xfrm>
+        </p:spPr>
+        <p:txBody>
+          <a:bodyPr>
+            <a:normAutofit fontScale="90000"/>
+          </a:bodyPr>
+          <a:lstStyle/>
+          <a:p>
+            <a:r>
+              <a:rPr lang="zh-CN" altLang="en-US" sz="4000" dirty="0"/>
+              <a:t>类的功能</a:t>
+            </a:r>
+          </a:p>
+        </p:txBody>
+      </p:sp>
+      <p:sp>
+        <p:nvSpPr>
+          <p:cNvPr id="7" name="标题 1">
+            <a:extLst>
+              <a:ext uri="{FF2B5EF4-FFF2-40B4-BE49-F238E27FC236}">
+                <a16:creationId xmlns:a16="http://schemas.microsoft.com/office/drawing/2014/main" id="{7ADDE6AC-A620-52CA-3B02-CBDF36944B7C}"/>
+              </a:ext>
+            </a:extLst>
+          </p:cNvPr>
+          <p:cNvSpPr txBox="1">
+            <a:spLocks/>
+          </p:cNvSpPr>
+          <p:nvPr/>
+        </p:nvSpPr>
+        <p:spPr>
+          <a:xfrm>
+            <a:off x="594986" y="807929"/>
+            <a:ext cx="3206663" cy="348083"/>
+          </a:xfrm>
+          <a:prstGeom prst="rect">
+            <a:avLst/>
+          </a:prstGeom>
+        </p:spPr>
+        <p:txBody>
+          <a:bodyPr vert="horz" lIns="91440" tIns="45720" rIns="91440" bIns="45720" rtlCol="0" anchor="b">
+            <a:noAutofit/>
+          </a:bodyPr>
+          <a:lstStyle>
+            <a:lvl1pPr algn="ctr" defTabSz="914400" rtl="0" eaLnBrk="1" latinLnBrk="0" hangingPunct="1">
+              <a:lnSpc>
+                <a:spcPct val="90000"/>
+              </a:lnSpc>
+              <a:spcBef>
+                <a:spcPct val="0"/>
+              </a:spcBef>
+              <a:buNone/>
+              <a:defRPr sz="6000" kern="1200">
+                <a:solidFill>
+                  <a:schemeClr val="tx1"/>
+                </a:solidFill>
+                <a:latin typeface="+mj-lt"/>
+                <a:ea typeface="+mj-ea"/>
+                <a:cs typeface="+mj-cs"/>
+              </a:defRPr>
+            </a:lvl1pPr>
+          </a:lstStyle>
+          <a:p>
+            <a:r>
+              <a:rPr lang="en-US" altLang="zh-CN" sz="2000" b="1" dirty="0"/>
+              <a:t>• </a:t>
+            </a:r>
+            <a:r>
+              <a:rPr lang="en-US" altLang="zh-CN" sz="2000" b="1" dirty="0" err="1"/>
+              <a:t>WBP_CAW_PressAnyKey</a:t>
+            </a:r>
+            <a:endParaRPr lang="en-US" altLang="zh-CN" sz="2000" b="1" dirty="0"/>
+          </a:p>
+        </p:txBody>
+      </p:sp>
+      <p:sp>
+        <p:nvSpPr>
+          <p:cNvPr id="13" name="文本框 12">
+            <a:extLst>
+              <a:ext uri="{FF2B5EF4-FFF2-40B4-BE49-F238E27FC236}">
+                <a16:creationId xmlns:a16="http://schemas.microsoft.com/office/drawing/2014/main" id="{6B743996-DCBF-5A2A-3041-95B3C7CE8E02}"/>
+              </a:ext>
+            </a:extLst>
+          </p:cNvPr>
+          <p:cNvSpPr txBox="1"/>
+          <p:nvPr/>
+        </p:nvSpPr>
+        <p:spPr>
+          <a:xfrm>
+            <a:off x="745298" y="1156012"/>
+            <a:ext cx="6951946" cy="1384995"/>
+          </a:xfrm>
+          <a:prstGeom prst="rect">
+            <a:avLst/>
+          </a:prstGeom>
+          <a:noFill/>
+        </p:spPr>
+        <p:txBody>
+          <a:bodyPr wrap="square" rtlCol="0">
+            <a:spAutoFit/>
+          </a:bodyPr>
+          <a:lstStyle/>
+          <a:p>
+            <a:r>
+              <a:rPr lang="zh-CN" altLang="en-US" sz="1400" b="1" dirty="0"/>
+              <a:t>在</a:t>
+            </a:r>
+            <a:r>
+              <a:rPr lang="en-US" altLang="zh-CN" sz="1400" dirty="0"/>
+              <a:t>Construct()</a:t>
+            </a:r>
+            <a:r>
+              <a:rPr lang="zh-CN" altLang="en-US" sz="1400" dirty="0"/>
+              <a:t>中用</a:t>
+            </a:r>
+            <a:r>
+              <a:rPr lang="en-US" altLang="zh-CN" sz="1400" dirty="0" err="1"/>
+              <a:t>PlayAnimation</a:t>
+            </a:r>
+            <a:r>
+              <a:rPr lang="zh-CN" altLang="en-US" sz="1400" dirty="0"/>
+              <a:t>播放动画。</a:t>
+            </a:r>
+            <a:endParaRPr lang="en-US" altLang="zh-CN" sz="1400" dirty="0"/>
+          </a:p>
+          <a:p>
+            <a:r>
+              <a:rPr lang="en-US" altLang="zh-CN" sz="1400" dirty="0" err="1"/>
+              <a:t>PushMainMenu</a:t>
+            </a:r>
+            <a:r>
+              <a:rPr lang="en-US" altLang="zh-CN" sz="1400" dirty="0"/>
+              <a:t>()</a:t>
+            </a:r>
+            <a:r>
+              <a:rPr lang="zh-CN" altLang="en-US" sz="1400" dirty="0"/>
+              <a:t>中调用</a:t>
+            </a:r>
+            <a:r>
+              <a:rPr lang="en-US" altLang="zh-CN" sz="1400" dirty="0" err="1"/>
+              <a:t>GetOwningFrontEndPlayerController</a:t>
+            </a:r>
+            <a:r>
+              <a:rPr lang="zh-CN" altLang="en-US" sz="1400" dirty="0"/>
+              <a:t>函数获得玩家控制器。随后用</a:t>
+            </a:r>
+            <a:r>
+              <a:rPr lang="en-US" altLang="zh-CN" sz="1400" dirty="0" err="1"/>
+              <a:t>UAsyncAction_PushSoftWidget</a:t>
+            </a:r>
+            <a:r>
+              <a:rPr lang="zh-CN" altLang="en-US" sz="1400" dirty="0"/>
+              <a:t>的</a:t>
+            </a:r>
+            <a:r>
+              <a:rPr lang="en-US" altLang="zh-CN" sz="1400" dirty="0" err="1"/>
+              <a:t>PushSoftWidget</a:t>
+            </a:r>
+            <a:r>
+              <a:rPr lang="zh-CN" altLang="en-US" sz="1400" dirty="0"/>
+              <a:t>函数将</a:t>
+            </a:r>
+            <a:r>
+              <a:rPr lang="en-US" altLang="zh-CN" sz="1400" dirty="0" err="1"/>
+              <a:t>WBP_CAW_MainMenu</a:t>
+            </a:r>
+            <a:r>
+              <a:rPr lang="zh-CN" altLang="en-US" sz="1400" dirty="0"/>
+              <a:t>推入到</a:t>
+            </a:r>
+            <a:r>
+              <a:rPr lang="en-US" altLang="zh-CN" sz="1400" dirty="0" err="1"/>
+              <a:t>WidgetStack.FrontEnd</a:t>
+            </a:r>
+            <a:r>
+              <a:rPr lang="zh-CN" altLang="en-US" sz="1400" dirty="0"/>
+              <a:t>中。</a:t>
+            </a:r>
+            <a:endParaRPr lang="en-US" altLang="zh-CN" sz="1400" dirty="0"/>
+          </a:p>
+          <a:p>
+            <a:r>
+              <a:rPr lang="en-US" altLang="zh-CN" sz="1400" dirty="0" err="1"/>
+              <a:t>OnMouseButtonDown</a:t>
+            </a:r>
+            <a:r>
+              <a:rPr lang="zh-CN" altLang="en-US" sz="1400" dirty="0"/>
+              <a:t>和</a:t>
+            </a:r>
+            <a:r>
+              <a:rPr lang="en-US" altLang="zh-CN" sz="1400" dirty="0" err="1"/>
+              <a:t>OnKeyDown</a:t>
+            </a:r>
+            <a:r>
+              <a:rPr lang="zh-CN" altLang="en-US" sz="1400" dirty="0"/>
+              <a:t>函数调用调用 </a:t>
+            </a:r>
+            <a:r>
+              <a:rPr lang="en-US" altLang="zh-CN" sz="1400" dirty="0" err="1"/>
+              <a:t>PushMainMenu</a:t>
+            </a:r>
+            <a:r>
+              <a:rPr lang="en-US" altLang="zh-CN" sz="1400" dirty="0"/>
+              <a:t>`</a:t>
+            </a:r>
+            <a:r>
+              <a:rPr lang="zh-CN" altLang="en-US" sz="1400" dirty="0"/>
+              <a:t>函数，并返回</a:t>
+            </a:r>
+            <a:r>
+              <a:rPr lang="en-US" altLang="zh-CN" sz="1400" dirty="0"/>
+              <a:t>Handled()</a:t>
+            </a:r>
+            <a:r>
+              <a:rPr lang="zh-CN" altLang="en-US" sz="1400" dirty="0"/>
+              <a:t>表示已处理。</a:t>
+            </a:r>
+            <a:endParaRPr lang="en-US" altLang="zh-CN" sz="1400" dirty="0"/>
+          </a:p>
+        </p:txBody>
+      </p:sp>
+      <p:sp>
+        <p:nvSpPr>
+          <p:cNvPr id="37" name="标题 1">
+            <a:extLst>
+              <a:ext uri="{FF2B5EF4-FFF2-40B4-BE49-F238E27FC236}">
+                <a16:creationId xmlns:a16="http://schemas.microsoft.com/office/drawing/2014/main" id="{D16F3C44-3D9B-622E-98C9-D5ED7CA4122A}"/>
+              </a:ext>
+            </a:extLst>
+          </p:cNvPr>
+          <p:cNvSpPr txBox="1">
+            <a:spLocks/>
+          </p:cNvSpPr>
+          <p:nvPr/>
+        </p:nvSpPr>
+        <p:spPr>
+          <a:xfrm>
+            <a:off x="400937" y="2721372"/>
+            <a:ext cx="3682442" cy="348083"/>
+          </a:xfrm>
+          <a:prstGeom prst="rect">
+            <a:avLst/>
+          </a:prstGeom>
+        </p:spPr>
+        <p:txBody>
+          <a:bodyPr vert="horz" lIns="91440" tIns="45720" rIns="91440" bIns="45720" rtlCol="0" anchor="b">
+            <a:noAutofit/>
+          </a:bodyPr>
+          <a:lstStyle>
+            <a:lvl1pPr algn="ctr" defTabSz="914400" rtl="0" eaLnBrk="1" latinLnBrk="0" hangingPunct="1">
+              <a:lnSpc>
+                <a:spcPct val="90000"/>
+              </a:lnSpc>
+              <a:spcBef>
+                <a:spcPct val="0"/>
+              </a:spcBef>
+              <a:buNone/>
+              <a:defRPr sz="6000" kern="1200">
+                <a:solidFill>
+                  <a:schemeClr val="tx1"/>
+                </a:solidFill>
+                <a:latin typeface="+mj-lt"/>
+                <a:ea typeface="+mj-ea"/>
+                <a:cs typeface="+mj-cs"/>
+              </a:defRPr>
+            </a:lvl1pPr>
+          </a:lstStyle>
+          <a:p>
+            <a:r>
+              <a:rPr lang="en-US" altLang="zh-CN" sz="2000" b="1" dirty="0"/>
+              <a:t>• </a:t>
+            </a:r>
+            <a:r>
+              <a:rPr lang="en-US" altLang="zh-CN" sz="2000" b="1" dirty="0" err="1"/>
+              <a:t>UWidget_ActivatableBase</a:t>
+            </a:r>
+            <a:endParaRPr lang="en-US" altLang="zh-CN" sz="2000" b="1" dirty="0"/>
+          </a:p>
+        </p:txBody>
+      </p:sp>
+      <p:sp>
+        <p:nvSpPr>
+          <p:cNvPr id="44" name="文本框 43">
+            <a:extLst>
+              <a:ext uri="{FF2B5EF4-FFF2-40B4-BE49-F238E27FC236}">
+                <a16:creationId xmlns:a16="http://schemas.microsoft.com/office/drawing/2014/main" id="{1092205B-BB9E-3590-DB5C-2FE7F33DA6FD}"/>
+              </a:ext>
+            </a:extLst>
+          </p:cNvPr>
+          <p:cNvSpPr txBox="1"/>
+          <p:nvPr/>
+        </p:nvSpPr>
+        <p:spPr>
+          <a:xfrm>
+            <a:off x="745298" y="3101329"/>
+            <a:ext cx="6951946" cy="523220"/>
+          </a:xfrm>
+          <a:prstGeom prst="rect">
+            <a:avLst/>
+          </a:prstGeom>
+          <a:noFill/>
+        </p:spPr>
+        <p:txBody>
+          <a:bodyPr wrap="square" rtlCol="0">
+            <a:spAutoFit/>
+          </a:bodyPr>
+          <a:lstStyle/>
+          <a:p>
+            <a:r>
+              <a:rPr lang="zh-CN" altLang="en-US" sz="1400" dirty="0"/>
+              <a:t>新增弱对象指针</a:t>
+            </a:r>
+            <a:r>
+              <a:rPr lang="en-US" altLang="zh-CN" sz="1400" dirty="0" err="1"/>
+              <a:t>CachedOwningFrontendPC</a:t>
+            </a:r>
+            <a:r>
+              <a:rPr lang="zh-CN" altLang="en-US" sz="1400" dirty="0"/>
+              <a:t>缓存控制器对象。</a:t>
+            </a:r>
+            <a:endParaRPr lang="en-US" altLang="zh-CN" sz="1400" dirty="0"/>
+          </a:p>
+          <a:p>
+            <a:r>
+              <a:rPr lang="zh-CN" altLang="en-US" sz="1400" dirty="0"/>
+              <a:t>新增</a:t>
+            </a:r>
+            <a:r>
+              <a:rPr lang="en-US" altLang="zh-CN" sz="1400" dirty="0" err="1"/>
+              <a:t>GetOwningFrontendPlayerController</a:t>
+            </a:r>
+            <a:r>
+              <a:rPr lang="zh-CN" altLang="en-US" sz="1400" dirty="0"/>
+              <a:t>函数获取拥有此控件实例的前端玩家控制器。</a:t>
+            </a:r>
+            <a:endParaRPr lang="en-US" altLang="zh-CN" sz="1400" dirty="0"/>
+          </a:p>
+        </p:txBody>
+      </p:sp>
+      <p:sp>
+        <p:nvSpPr>
+          <p:cNvPr id="5" name="标题 1">
+            <a:extLst>
+              <a:ext uri="{FF2B5EF4-FFF2-40B4-BE49-F238E27FC236}">
+                <a16:creationId xmlns:a16="http://schemas.microsoft.com/office/drawing/2014/main" id="{2843D854-4D43-7E7C-843F-6A2637223410}"/>
+              </a:ext>
+            </a:extLst>
+          </p:cNvPr>
+          <p:cNvSpPr txBox="1">
+            <a:spLocks/>
+          </p:cNvSpPr>
+          <p:nvPr/>
+        </p:nvSpPr>
+        <p:spPr>
+          <a:xfrm>
+            <a:off x="400937" y="3614504"/>
+            <a:ext cx="3206663" cy="348083"/>
+          </a:xfrm>
+          <a:prstGeom prst="rect">
+            <a:avLst/>
+          </a:prstGeom>
+        </p:spPr>
+        <p:txBody>
+          <a:bodyPr vert="horz" lIns="91440" tIns="45720" rIns="91440" bIns="45720" rtlCol="0" anchor="b">
+            <a:noAutofit/>
+          </a:bodyPr>
+          <a:lstStyle>
+            <a:lvl1pPr algn="ctr" defTabSz="914400" rtl="0" eaLnBrk="1" latinLnBrk="0" hangingPunct="1">
+              <a:lnSpc>
+                <a:spcPct val="90000"/>
+              </a:lnSpc>
+              <a:spcBef>
+                <a:spcPct val="0"/>
+              </a:spcBef>
+              <a:buNone/>
+              <a:defRPr sz="6000" kern="1200">
+                <a:solidFill>
+                  <a:schemeClr val="tx1"/>
+                </a:solidFill>
+                <a:latin typeface="+mj-lt"/>
+                <a:ea typeface="+mj-ea"/>
+                <a:cs typeface="+mj-cs"/>
+              </a:defRPr>
+            </a:lvl1pPr>
+          </a:lstStyle>
+          <a:p>
+            <a:r>
+              <a:rPr lang="en-US" altLang="zh-CN" sz="1800" b="1" dirty="0"/>
+              <a:t>•  </a:t>
+            </a:r>
+            <a:r>
+              <a:rPr lang="en-US" altLang="zh-CN" sz="1800" b="1" dirty="0" err="1"/>
+              <a:t>UFrontendUISubsystem</a:t>
+            </a:r>
+            <a:endParaRPr lang="en-US" altLang="zh-CN" sz="1800" b="1" dirty="0"/>
+          </a:p>
+        </p:txBody>
+      </p:sp>
+      <p:sp>
+        <p:nvSpPr>
+          <p:cNvPr id="6" name="文本框 5">
+            <a:extLst>
+              <a:ext uri="{FF2B5EF4-FFF2-40B4-BE49-F238E27FC236}">
+                <a16:creationId xmlns:a16="http://schemas.microsoft.com/office/drawing/2014/main" id="{F2EDC478-8246-EC0C-E11B-C9B146AF5D03}"/>
+              </a:ext>
+            </a:extLst>
+          </p:cNvPr>
+          <p:cNvSpPr txBox="1"/>
+          <p:nvPr/>
+        </p:nvSpPr>
+        <p:spPr>
+          <a:xfrm>
+            <a:off x="745298" y="3962587"/>
+            <a:ext cx="6951946" cy="1169551"/>
+          </a:xfrm>
+          <a:prstGeom prst="rect">
+            <a:avLst/>
+          </a:prstGeom>
+          <a:noFill/>
+        </p:spPr>
+        <p:txBody>
+          <a:bodyPr wrap="square" rtlCol="0">
+            <a:spAutoFit/>
+          </a:bodyPr>
+          <a:lstStyle/>
+          <a:p>
+            <a:r>
+              <a:rPr lang="zh-CN" altLang="en-US" sz="1400" dirty="0"/>
+              <a:t>新增</a:t>
+            </a:r>
+            <a:r>
+              <a:rPr lang="en-US" altLang="zh-CN" sz="1400" dirty="0" err="1"/>
+              <a:t>FOnButtonDescriptionTextUpdatedDelegate</a:t>
+            </a:r>
+            <a:r>
+              <a:rPr lang="zh-CN" altLang="en-US" sz="1400" dirty="0"/>
+              <a:t>委托，传递按钮本身指针和描述文本内容参数。</a:t>
+            </a:r>
+            <a:endParaRPr lang="en-US" altLang="zh-CN" sz="1400" dirty="0"/>
+          </a:p>
+          <a:p>
+            <a:r>
+              <a:rPr lang="zh-CN" altLang="en-US" sz="1400" dirty="0"/>
+              <a:t>定义</a:t>
+            </a:r>
+            <a:r>
+              <a:rPr lang="en-US" altLang="zh-CN" sz="1400" dirty="0" err="1"/>
+              <a:t>PushConfirmScreenToModalStackAsync</a:t>
+            </a:r>
+            <a:r>
+              <a:rPr lang="zh-CN" altLang="en-US" sz="1400" dirty="0"/>
+              <a:t>函数用于将确认屏幕 </a:t>
+            </a:r>
+            <a:r>
+              <a:rPr lang="en-US" altLang="zh-CN" sz="1400" dirty="0"/>
+              <a:t>Widget</a:t>
+            </a:r>
+            <a:r>
+              <a:rPr lang="zh-CN" altLang="en-US" sz="1400" dirty="0"/>
+              <a:t>异步</a:t>
+            </a:r>
+            <a:r>
+              <a:rPr lang="en-US" altLang="zh-CN" sz="1400" dirty="0"/>
+              <a:t> </a:t>
+            </a:r>
+            <a:r>
+              <a:rPr lang="zh-CN" altLang="en-US" sz="1400" dirty="0"/>
+              <a:t>推送到 模态堆栈（</a:t>
+            </a:r>
+            <a:r>
+              <a:rPr lang="en-US" altLang="zh-CN" sz="1400" dirty="0"/>
+              <a:t>Modal Stack</a:t>
+            </a:r>
+            <a:r>
+              <a:rPr lang="zh-CN" altLang="en-US" sz="1400" dirty="0"/>
+              <a:t>）上。</a:t>
+            </a:r>
+            <a:endParaRPr lang="en-US" altLang="zh-CN" sz="1400" dirty="0"/>
+          </a:p>
+          <a:p>
+            <a:endParaRPr lang="zh-CN" altLang="en-US" sz="1400" dirty="0"/>
+          </a:p>
+        </p:txBody>
+      </p:sp>
+      <p:sp>
+        <p:nvSpPr>
+          <p:cNvPr id="8" name="标题 1">
+            <a:extLst>
+              <a:ext uri="{FF2B5EF4-FFF2-40B4-BE49-F238E27FC236}">
+                <a16:creationId xmlns:a16="http://schemas.microsoft.com/office/drawing/2014/main" id="{30E34270-1F7C-6D28-FC9B-C0F7DAF56C27}"/>
+              </a:ext>
+            </a:extLst>
+          </p:cNvPr>
+          <p:cNvSpPr txBox="1">
+            <a:spLocks/>
+          </p:cNvSpPr>
+          <p:nvPr/>
+        </p:nvSpPr>
+        <p:spPr>
+          <a:xfrm>
+            <a:off x="594985" y="4962561"/>
+            <a:ext cx="3206663" cy="348083"/>
+          </a:xfrm>
+          <a:prstGeom prst="rect">
+            <a:avLst/>
+          </a:prstGeom>
+        </p:spPr>
+        <p:txBody>
+          <a:bodyPr vert="horz" lIns="91440" tIns="45720" rIns="91440" bIns="45720" rtlCol="0" anchor="b">
+            <a:noAutofit/>
+          </a:bodyPr>
+          <a:lstStyle>
+            <a:lvl1pPr algn="ctr" defTabSz="914400" rtl="0" eaLnBrk="1" latinLnBrk="0" hangingPunct="1">
+              <a:lnSpc>
+                <a:spcPct val="90000"/>
+              </a:lnSpc>
+              <a:spcBef>
+                <a:spcPct val="0"/>
+              </a:spcBef>
+              <a:buNone/>
+              <a:defRPr sz="6000" kern="1200">
+                <a:solidFill>
+                  <a:schemeClr val="tx1"/>
+                </a:solidFill>
+                <a:latin typeface="+mj-lt"/>
+                <a:ea typeface="+mj-ea"/>
+                <a:cs typeface="+mj-cs"/>
+              </a:defRPr>
+            </a:lvl1pPr>
+          </a:lstStyle>
+          <a:p>
+            <a:r>
+              <a:rPr lang="en-US" altLang="zh-CN" sz="1800" b="1" dirty="0"/>
+              <a:t>•  </a:t>
+            </a:r>
+            <a:r>
+              <a:rPr lang="en-US" altLang="zh-CN" sz="1800" b="1" dirty="0" err="1"/>
+              <a:t>WBP_Text_ButtonDescription</a:t>
+            </a:r>
+            <a:endParaRPr lang="en-US" altLang="zh-CN" sz="1800" b="1" dirty="0"/>
+          </a:p>
+        </p:txBody>
+      </p:sp>
+      <p:sp>
+        <p:nvSpPr>
+          <p:cNvPr id="9" name="文本框 8">
+            <a:extLst>
+              <a:ext uri="{FF2B5EF4-FFF2-40B4-BE49-F238E27FC236}">
+                <a16:creationId xmlns:a16="http://schemas.microsoft.com/office/drawing/2014/main" id="{B636DDCE-802F-1B83-4896-1EFC584BA058}"/>
+              </a:ext>
+            </a:extLst>
+          </p:cNvPr>
+          <p:cNvSpPr txBox="1"/>
+          <p:nvPr/>
+        </p:nvSpPr>
+        <p:spPr>
+          <a:xfrm>
+            <a:off x="745298" y="5461510"/>
+            <a:ext cx="6951946" cy="738664"/>
+          </a:xfrm>
+          <a:prstGeom prst="rect">
+            <a:avLst/>
+          </a:prstGeom>
+          <a:noFill/>
+        </p:spPr>
+        <p:txBody>
+          <a:bodyPr wrap="square" rtlCol="0">
+            <a:spAutoFit/>
+          </a:bodyPr>
+          <a:lstStyle/>
+          <a:p>
+            <a:r>
+              <a:rPr lang="en-US" altLang="zh-CN" sz="1400" dirty="0"/>
+              <a:t>Construct</a:t>
+            </a:r>
+            <a:r>
+              <a:rPr lang="zh-CN" altLang="en-US" sz="1400" dirty="0"/>
+              <a:t>函数构造时默认清除文本。</a:t>
+            </a:r>
+            <a:endParaRPr lang="en-US" altLang="zh-CN" sz="1400" dirty="0"/>
+          </a:p>
+          <a:p>
+            <a:r>
+              <a:rPr lang="en-US" altLang="zh-CN" sz="1400" dirty="0" err="1"/>
+              <a:t>OnInitialized</a:t>
+            </a:r>
+            <a:r>
+              <a:rPr lang="en-US" altLang="zh-CN" sz="1400" dirty="0"/>
+              <a:t>()</a:t>
+            </a:r>
+            <a:r>
+              <a:rPr lang="zh-CN" altLang="en-US" sz="1400" dirty="0"/>
+              <a:t>函数调用</a:t>
+            </a:r>
+            <a:r>
+              <a:rPr lang="en-US" altLang="zh-CN" sz="1400" dirty="0"/>
+              <a:t>Get Front End UI Subsystem</a:t>
+            </a:r>
+            <a:r>
+              <a:rPr lang="zh-CN" altLang="en-US" sz="1400" dirty="0"/>
+              <a:t>绑定委托。</a:t>
+            </a:r>
+            <a:endParaRPr lang="en-US" altLang="zh-CN" sz="1400" dirty="0"/>
+          </a:p>
+          <a:p>
+            <a:r>
+              <a:rPr lang="en-US" altLang="zh-CN" sz="1400" dirty="0" err="1"/>
+              <a:t>OnButtonDescriptionTextUpdated</a:t>
+            </a:r>
+            <a:r>
+              <a:rPr lang="en-US" altLang="zh-CN" sz="1400" dirty="0"/>
+              <a:t>()</a:t>
+            </a:r>
+            <a:r>
+              <a:rPr lang="zh-CN" altLang="en-US" sz="1400" dirty="0"/>
+              <a:t>回调函数用来设置文本。</a:t>
+            </a:r>
+            <a:endParaRPr lang="en-US" altLang="zh-CN" sz="1400" dirty="0"/>
+          </a:p>
+        </p:txBody>
+      </p:sp>
+    </p:spTree>
+    <p:extLst>
+      <p:ext uri="{BB962C8B-B14F-4D97-AF65-F5344CB8AC3E}">
+        <p14:creationId xmlns:p14="http://schemas.microsoft.com/office/powerpoint/2010/main" val="2788361271"/>
+      </p:ext>
+    </p:extLst>
+  </p:cSld>
+  <p:clrMapOvr>
+    <a:masterClrMapping/>
+  </p:clrMapOvr>
+</p:sld>
+</file>
+
+<file path=ppt/slides/slide12.xml><?xml version="1.0" encoding="utf-8"?>
+<p:sld xmlns:a="http://schemas.openxmlformats.org/drawingml/2006/main" xmlns:r="http://schemas.openxmlformats.org/officeDocument/2006/relationships" xmlns:p="http://schemas.openxmlformats.org/presentationml/2006/main">
+  <p:cSld>
+    <p:spTree>
+      <p:nvGrpSpPr>
+        <p:cNvPr id="1" name="">
+          <a:extLst>
+            <a:ext uri="{FF2B5EF4-FFF2-40B4-BE49-F238E27FC236}">
+              <a16:creationId xmlns:a16="http://schemas.microsoft.com/office/drawing/2014/main" id="{31AA84BA-4664-350F-7099-E88329ACF70E}"/>
+            </a:ext>
+          </a:extLst>
+        </p:cNvPr>
+        <p:cNvGrpSpPr/>
+        <p:nvPr/>
+      </p:nvGrpSpPr>
+      <p:grpSpPr>
+        <a:xfrm>
+          <a:off x="0" y="0"/>
+          <a:ext cx="0" cy="0"/>
+          <a:chOff x="0" y="0"/>
+          <a:chExt cx="0" cy="0"/>
+        </a:xfrm>
+      </p:grpSpPr>
+      <p:sp>
+        <p:nvSpPr>
+          <p:cNvPr id="2" name="标题 1">
+            <a:extLst>
+              <a:ext uri="{FF2B5EF4-FFF2-40B4-BE49-F238E27FC236}">
+                <a16:creationId xmlns:a16="http://schemas.microsoft.com/office/drawing/2014/main" id="{740637EB-165D-68D4-000D-2F8EB9DC032B}"/>
+              </a:ext>
+            </a:extLst>
+          </p:cNvPr>
+          <p:cNvSpPr>
+            <a:spLocks noGrp="1"/>
+          </p:cNvSpPr>
+          <p:nvPr>
+            <p:ph type="ctrTitle"/>
+          </p:nvPr>
+        </p:nvSpPr>
+        <p:spPr>
+          <a:xfrm>
+            <a:off x="4597224" y="227022"/>
+            <a:ext cx="2115995" cy="632539"/>
+          </a:xfrm>
+        </p:spPr>
+        <p:txBody>
+          <a:bodyPr>
+            <a:normAutofit fontScale="90000"/>
+          </a:bodyPr>
+          <a:lstStyle/>
+          <a:p>
+            <a:r>
+              <a:rPr lang="zh-CN" altLang="en-US" sz="4000" dirty="0"/>
+              <a:t>类的功能</a:t>
+            </a:r>
+          </a:p>
+        </p:txBody>
+      </p:sp>
+      <p:sp>
+        <p:nvSpPr>
+          <p:cNvPr id="7" name="标题 1">
+            <a:extLst>
+              <a:ext uri="{FF2B5EF4-FFF2-40B4-BE49-F238E27FC236}">
+                <a16:creationId xmlns:a16="http://schemas.microsoft.com/office/drawing/2014/main" id="{DD3D943C-AF91-5273-3AA9-6BA2CDEF0418}"/>
+              </a:ext>
+            </a:extLst>
+          </p:cNvPr>
+          <p:cNvSpPr txBox="1">
+            <a:spLocks/>
+          </p:cNvSpPr>
+          <p:nvPr/>
+        </p:nvSpPr>
+        <p:spPr>
+          <a:xfrm>
+            <a:off x="594986" y="807929"/>
+            <a:ext cx="3206663" cy="348083"/>
+          </a:xfrm>
+          <a:prstGeom prst="rect">
+            <a:avLst/>
+          </a:prstGeom>
+        </p:spPr>
+        <p:txBody>
+          <a:bodyPr vert="horz" lIns="91440" tIns="45720" rIns="91440" bIns="45720" rtlCol="0" anchor="b">
+            <a:noAutofit/>
+          </a:bodyPr>
+          <a:lstStyle>
+            <a:lvl1pPr algn="ctr" defTabSz="914400" rtl="0" eaLnBrk="1" latinLnBrk="0" hangingPunct="1">
+              <a:lnSpc>
+                <a:spcPct val="90000"/>
+              </a:lnSpc>
+              <a:spcBef>
+                <a:spcPct val="0"/>
+              </a:spcBef>
+              <a:buNone/>
+              <a:defRPr sz="6000" kern="1200">
+                <a:solidFill>
+                  <a:schemeClr val="tx1"/>
+                </a:solidFill>
+                <a:latin typeface="+mj-lt"/>
+                <a:ea typeface="+mj-ea"/>
+                <a:cs typeface="+mj-cs"/>
+              </a:defRPr>
+            </a:lvl1pPr>
+          </a:lstStyle>
+          <a:p>
+            <a:r>
+              <a:rPr lang="en-US" altLang="zh-CN" sz="2000" b="1" dirty="0"/>
+              <a:t>• </a:t>
+            </a:r>
+            <a:r>
+              <a:rPr lang="en-US" altLang="zh-CN" sz="2000" b="1" dirty="0" err="1"/>
+              <a:t>UWidget_ConfirmScreen</a:t>
+            </a:r>
+            <a:endParaRPr lang="en-US" altLang="zh-CN" sz="2000" b="1" dirty="0"/>
+          </a:p>
+        </p:txBody>
+      </p:sp>
+      <p:sp>
+        <p:nvSpPr>
+          <p:cNvPr id="13" name="文本框 12">
+            <a:extLst>
+              <a:ext uri="{FF2B5EF4-FFF2-40B4-BE49-F238E27FC236}">
+                <a16:creationId xmlns:a16="http://schemas.microsoft.com/office/drawing/2014/main" id="{6E054A99-CF87-963D-5BAA-D147058696DB}"/>
+              </a:ext>
+            </a:extLst>
+          </p:cNvPr>
+          <p:cNvSpPr txBox="1"/>
+          <p:nvPr/>
+        </p:nvSpPr>
+        <p:spPr>
+          <a:xfrm>
+            <a:off x="745298" y="1156012"/>
+            <a:ext cx="6951946" cy="954107"/>
+          </a:xfrm>
+          <a:prstGeom prst="rect">
+            <a:avLst/>
+          </a:prstGeom>
+          <a:noFill/>
+        </p:spPr>
+        <p:txBody>
+          <a:bodyPr wrap="square" rtlCol="0">
+            <a:spAutoFit/>
+          </a:bodyPr>
+          <a:lstStyle/>
+          <a:p>
+            <a:r>
+              <a:rPr lang="zh-CN" altLang="en-US" sz="1400" dirty="0"/>
+              <a:t>定义了</a:t>
+            </a:r>
+            <a:r>
+              <a:rPr lang="en-US" altLang="zh-CN" sz="1400" dirty="0" err="1"/>
+              <a:t>CommonTextBlock_Title</a:t>
+            </a:r>
+            <a:r>
+              <a:rPr lang="zh-CN" altLang="en-US" sz="1400" dirty="0"/>
+              <a:t>绑定屏幕的标题文本块。</a:t>
+            </a:r>
+            <a:r>
+              <a:rPr lang="en-US" altLang="zh-CN" sz="1400" dirty="0" err="1"/>
+              <a:t>CommonTextBlock_Message</a:t>
+            </a:r>
+            <a:r>
+              <a:rPr lang="zh-CN" altLang="en-US" sz="1400" dirty="0"/>
+              <a:t>绑定屏幕的消息文本块。</a:t>
+            </a:r>
+            <a:r>
+              <a:rPr lang="en-US" altLang="zh-CN" sz="1400" dirty="0" err="1"/>
+              <a:t>DynamicEntryBox_Buttons</a:t>
+            </a:r>
+            <a:r>
+              <a:rPr lang="zh-CN" altLang="en-US" sz="1400" dirty="0"/>
+              <a:t>绑定一个动态容器，用于在运行时动态插入按钮。</a:t>
+            </a:r>
+            <a:endParaRPr lang="en-US" altLang="zh-CN" sz="1400" dirty="0"/>
+          </a:p>
+          <a:p>
+            <a:endParaRPr lang="en-US" altLang="zh-CN" sz="1400" dirty="0"/>
+          </a:p>
+        </p:txBody>
+      </p:sp>
+      <p:sp>
+        <p:nvSpPr>
+          <p:cNvPr id="37" name="标题 1">
+            <a:extLst>
+              <a:ext uri="{FF2B5EF4-FFF2-40B4-BE49-F238E27FC236}">
+                <a16:creationId xmlns:a16="http://schemas.microsoft.com/office/drawing/2014/main" id="{6D4A3098-D447-7235-E4C4-40C178A1436E}"/>
+              </a:ext>
+            </a:extLst>
+          </p:cNvPr>
+          <p:cNvSpPr txBox="1">
+            <a:spLocks/>
+          </p:cNvSpPr>
+          <p:nvPr/>
+        </p:nvSpPr>
+        <p:spPr>
+          <a:xfrm>
+            <a:off x="404569" y="1991823"/>
+            <a:ext cx="3682442" cy="348083"/>
+          </a:xfrm>
+          <a:prstGeom prst="rect">
+            <a:avLst/>
+          </a:prstGeom>
+        </p:spPr>
+        <p:txBody>
+          <a:bodyPr vert="horz" lIns="91440" tIns="45720" rIns="91440" bIns="45720" rtlCol="0" anchor="b">
+            <a:noAutofit/>
+          </a:bodyPr>
+          <a:lstStyle>
+            <a:lvl1pPr algn="ctr" defTabSz="914400" rtl="0" eaLnBrk="1" latinLnBrk="0" hangingPunct="1">
+              <a:lnSpc>
+                <a:spcPct val="90000"/>
+              </a:lnSpc>
+              <a:spcBef>
+                <a:spcPct val="0"/>
+              </a:spcBef>
+              <a:buNone/>
+              <a:defRPr sz="6000" kern="1200">
+                <a:solidFill>
+                  <a:schemeClr val="tx1"/>
+                </a:solidFill>
+                <a:latin typeface="+mj-lt"/>
+                <a:ea typeface="+mj-ea"/>
+                <a:cs typeface="+mj-cs"/>
+              </a:defRPr>
+            </a:lvl1pPr>
+          </a:lstStyle>
+          <a:p>
+            <a:r>
+              <a:rPr lang="en-US" altLang="zh-CN" sz="2000" b="1" dirty="0"/>
+              <a:t>• </a:t>
+            </a:r>
+            <a:r>
+              <a:rPr lang="en-US" altLang="zh-CN" sz="2000" b="1" dirty="0" err="1"/>
+              <a:t>FConfirmScreenButtonInfo</a:t>
+            </a:r>
+            <a:endParaRPr lang="en-US" altLang="zh-CN" sz="2000" b="1" dirty="0"/>
+          </a:p>
+        </p:txBody>
+      </p:sp>
+      <p:sp>
+        <p:nvSpPr>
+          <p:cNvPr id="44" name="文本框 43">
+            <a:extLst>
+              <a:ext uri="{FF2B5EF4-FFF2-40B4-BE49-F238E27FC236}">
+                <a16:creationId xmlns:a16="http://schemas.microsoft.com/office/drawing/2014/main" id="{168E9E60-49CE-C195-EF55-789D70C1F7C9}"/>
+              </a:ext>
+            </a:extLst>
+          </p:cNvPr>
+          <p:cNvSpPr txBox="1"/>
+          <p:nvPr/>
+        </p:nvSpPr>
+        <p:spPr>
+          <a:xfrm>
+            <a:off x="745298" y="2422710"/>
+            <a:ext cx="6951946" cy="523220"/>
+          </a:xfrm>
+          <a:prstGeom prst="rect">
+            <a:avLst/>
+          </a:prstGeom>
+          <a:noFill/>
+        </p:spPr>
+        <p:txBody>
+          <a:bodyPr wrap="square" rtlCol="0">
+            <a:spAutoFit/>
+          </a:bodyPr>
+          <a:lstStyle/>
+          <a:p>
+            <a:r>
+              <a:rPr lang="zh-CN" altLang="en-US" sz="1400" dirty="0"/>
+              <a:t>定义按钮信息结构体。存储</a:t>
+            </a:r>
+            <a:r>
+              <a:rPr lang="en-US" altLang="zh-CN" sz="1400" dirty="0" err="1"/>
+              <a:t>ConfirmScreenButtonType</a:t>
+            </a:r>
+            <a:r>
+              <a:rPr lang="zh-CN" altLang="en-US" sz="1400" dirty="0"/>
+              <a:t>该按钮被点击后返回的 结果类型。</a:t>
+            </a:r>
+            <a:endParaRPr lang="en-US" altLang="zh-CN" sz="1400" dirty="0"/>
+          </a:p>
+          <a:p>
+            <a:r>
+              <a:rPr lang="zh-CN" altLang="en-US" sz="1400" dirty="0"/>
+              <a:t>存储</a:t>
+            </a:r>
+            <a:r>
+              <a:rPr lang="en-US" altLang="zh-CN" sz="1400" dirty="0" err="1"/>
+              <a:t>ButtonTextToDisplay</a:t>
+            </a:r>
+            <a:r>
+              <a:rPr lang="zh-CN" altLang="en-US" sz="1400" dirty="0"/>
+              <a:t>将显示在按钮上的 文本。</a:t>
+            </a:r>
+            <a:endParaRPr lang="en-US" altLang="zh-CN" sz="1400" dirty="0"/>
+          </a:p>
+        </p:txBody>
+      </p:sp>
+      <p:sp>
+        <p:nvSpPr>
+          <p:cNvPr id="5" name="标题 1">
+            <a:extLst>
+              <a:ext uri="{FF2B5EF4-FFF2-40B4-BE49-F238E27FC236}">
+                <a16:creationId xmlns:a16="http://schemas.microsoft.com/office/drawing/2014/main" id="{0513C353-5880-1E4C-ABD0-DF648692E88A}"/>
+              </a:ext>
+            </a:extLst>
+          </p:cNvPr>
+          <p:cNvSpPr txBox="1">
+            <a:spLocks/>
+          </p:cNvSpPr>
+          <p:nvPr/>
+        </p:nvSpPr>
+        <p:spPr>
+          <a:xfrm>
+            <a:off x="545891" y="3008480"/>
+            <a:ext cx="3206663" cy="348083"/>
+          </a:xfrm>
+          <a:prstGeom prst="rect">
+            <a:avLst/>
+          </a:prstGeom>
+        </p:spPr>
+        <p:txBody>
+          <a:bodyPr vert="horz" lIns="91440" tIns="45720" rIns="91440" bIns="45720" rtlCol="0" anchor="b">
+            <a:noAutofit/>
+          </a:bodyPr>
+          <a:lstStyle>
+            <a:lvl1pPr algn="ctr" defTabSz="914400" rtl="0" eaLnBrk="1" latinLnBrk="0" hangingPunct="1">
+              <a:lnSpc>
+                <a:spcPct val="90000"/>
+              </a:lnSpc>
+              <a:spcBef>
+                <a:spcPct val="0"/>
+              </a:spcBef>
+              <a:buNone/>
+              <a:defRPr sz="6000" kern="1200">
+                <a:solidFill>
+                  <a:schemeClr val="tx1"/>
+                </a:solidFill>
+                <a:latin typeface="+mj-lt"/>
+                <a:ea typeface="+mj-ea"/>
+                <a:cs typeface="+mj-cs"/>
+              </a:defRPr>
+            </a:lvl1pPr>
+          </a:lstStyle>
+          <a:p>
+            <a:r>
+              <a:rPr lang="en-US" altLang="zh-CN" sz="1800" b="1" dirty="0"/>
+              <a:t>•  </a:t>
+            </a:r>
+            <a:r>
+              <a:rPr lang="en-US" altLang="zh-CN" sz="1800" b="1" dirty="0" err="1"/>
+              <a:t>UConfirmScreenInfoObject</a:t>
+            </a:r>
+            <a:endParaRPr lang="en-US" altLang="zh-CN" sz="1800" b="1" dirty="0"/>
+          </a:p>
+        </p:txBody>
+      </p:sp>
+      <p:sp>
+        <p:nvSpPr>
+          <p:cNvPr id="6" name="文本框 5">
+            <a:extLst>
+              <a:ext uri="{FF2B5EF4-FFF2-40B4-BE49-F238E27FC236}">
+                <a16:creationId xmlns:a16="http://schemas.microsoft.com/office/drawing/2014/main" id="{CFFA5BE4-6B4E-05AF-B785-02BA31684909}"/>
+              </a:ext>
+            </a:extLst>
+          </p:cNvPr>
+          <p:cNvSpPr txBox="1"/>
+          <p:nvPr/>
+        </p:nvSpPr>
+        <p:spPr>
+          <a:xfrm>
+            <a:off x="745298" y="3464360"/>
+            <a:ext cx="6951946" cy="1877437"/>
+          </a:xfrm>
+          <a:prstGeom prst="rect">
+            <a:avLst/>
+          </a:prstGeom>
+          <a:noFill/>
+        </p:spPr>
+        <p:txBody>
+          <a:bodyPr wrap="square" rtlCol="0">
+            <a:spAutoFit/>
+          </a:bodyPr>
+          <a:lstStyle/>
+          <a:p>
+            <a:r>
+              <a:rPr lang="zh-CN" altLang="en-US" sz="1400" dirty="0"/>
+              <a:t>该类作为运行时存储和构造确认屏幕信息的容器定义在</a:t>
+            </a:r>
+            <a:r>
+              <a:rPr lang="en-US" altLang="zh-CN" sz="1400" dirty="0" err="1"/>
+              <a:t>UWidget_ConfirmScreen.h</a:t>
+            </a:r>
+            <a:r>
+              <a:rPr lang="zh-CN" altLang="en-US" sz="1400" dirty="0"/>
+              <a:t>。</a:t>
+            </a:r>
+            <a:endParaRPr lang="en-US" altLang="zh-CN" sz="1400" dirty="0"/>
+          </a:p>
+          <a:p>
+            <a:r>
+              <a:rPr lang="zh-CN" altLang="en-US" sz="1400" dirty="0"/>
+              <a:t>定义了</a:t>
+            </a:r>
+            <a:r>
+              <a:rPr lang="en-US" altLang="zh-CN" sz="1400" dirty="0" err="1"/>
+              <a:t>ScreenTitle</a:t>
+            </a:r>
+            <a:r>
+              <a:rPr lang="zh-CN" altLang="en-US" sz="1400" dirty="0"/>
+              <a:t>，</a:t>
+            </a:r>
+            <a:r>
+              <a:rPr lang="en-US" altLang="zh-CN" sz="1400" dirty="0" err="1"/>
+              <a:t>ScreenMessage</a:t>
+            </a:r>
+            <a:r>
+              <a:rPr lang="zh-CN" altLang="en-US" sz="1400" dirty="0"/>
+              <a:t>，</a:t>
+            </a:r>
+            <a:r>
+              <a:rPr lang="en-US" altLang="zh-CN" sz="1400" dirty="0" err="1"/>
+              <a:t>AvailableScreenButtons</a:t>
+            </a:r>
+            <a:r>
+              <a:rPr lang="zh-CN" altLang="en-US" sz="1400" dirty="0"/>
+              <a:t>。分别存储存储屏幕标题，存储屏幕显示的消息，存储屏幕上所有按钮的信息（即上面定义的结构体数组）。数组中的元素数量决定了屏幕上将动态创建的按钮数量。</a:t>
+            </a:r>
+            <a:endParaRPr lang="en-US" altLang="zh-CN" sz="1400" dirty="0"/>
+          </a:p>
+          <a:p>
+            <a:r>
+              <a:rPr lang="zh-CN" altLang="en-US" sz="1400" dirty="0"/>
+              <a:t>并实现静态工厂函数</a:t>
+            </a:r>
+            <a:r>
+              <a:rPr lang="en-US" altLang="zh-CN" sz="1400" dirty="0" err="1"/>
+              <a:t>CreateOKScreen</a:t>
+            </a:r>
+            <a:r>
+              <a:rPr lang="zh-CN" altLang="en-US" sz="1400" dirty="0"/>
+              <a:t>，</a:t>
+            </a:r>
+            <a:r>
+              <a:rPr lang="en-US" altLang="zh-CN" sz="1400" dirty="0" err="1"/>
+              <a:t>CreateYesNoScreen</a:t>
+            </a:r>
+            <a:r>
+              <a:rPr lang="zh-CN" altLang="en-US" sz="1400" dirty="0"/>
+              <a:t>，</a:t>
+            </a:r>
+            <a:r>
+              <a:rPr lang="en-US" altLang="zh-CN" sz="1400" dirty="0" err="1"/>
+              <a:t>CreateOkCancelScreen</a:t>
+            </a:r>
+            <a:r>
+              <a:rPr lang="zh-CN" altLang="en-US" sz="1400" dirty="0"/>
+              <a:t>分别用于创建不同的确认屏幕。</a:t>
+            </a:r>
+            <a:endParaRPr lang="en-US" altLang="zh-CN" sz="1400" dirty="0"/>
+          </a:p>
+          <a:p>
+            <a:r>
+              <a:rPr lang="en-US" altLang="zh-CN" sz="1400" dirty="0" err="1"/>
+              <a:t>InitConfirmScreen</a:t>
+            </a:r>
+            <a:r>
+              <a:rPr lang="zh-CN" altLang="en-US" sz="1400" dirty="0"/>
+              <a:t>函数在确认屏幕 </a:t>
+            </a:r>
+            <a:r>
+              <a:rPr lang="en-US" altLang="zh-CN" sz="1400" dirty="0"/>
+              <a:t>Widget </a:t>
+            </a:r>
+            <a:r>
+              <a:rPr lang="zh-CN" altLang="en-US" sz="1400" dirty="0"/>
+              <a:t>被激活并显示之前被调用，负责根据传入的配置对象 </a:t>
+            </a:r>
+            <a:r>
+              <a:rPr lang="en-US" altLang="zh-CN" sz="1400" dirty="0"/>
+              <a:t>(</a:t>
+            </a:r>
+            <a:r>
+              <a:rPr lang="en-US" altLang="zh-CN" sz="1400" dirty="0" err="1"/>
+              <a:t>UConfirmScreenInfoObject</a:t>
+            </a:r>
+            <a:r>
+              <a:rPr lang="en-US" altLang="zh-CN" sz="1400" dirty="0"/>
+              <a:t>) </a:t>
+            </a:r>
+            <a:r>
+              <a:rPr lang="zh-CN" altLang="en-US" sz="1400" dirty="0"/>
+              <a:t>完成所有设置工作。</a:t>
+            </a:r>
+            <a:endParaRPr lang="en-US" altLang="zh-CN" sz="1400" dirty="0"/>
+          </a:p>
+        </p:txBody>
+      </p:sp>
+      <p:sp>
+        <p:nvSpPr>
+          <p:cNvPr id="8" name="标题 1">
+            <a:extLst>
+              <a:ext uri="{FF2B5EF4-FFF2-40B4-BE49-F238E27FC236}">
+                <a16:creationId xmlns:a16="http://schemas.microsoft.com/office/drawing/2014/main" id="{AD6FDDD3-15D9-D31E-B6FC-55B6D78E137F}"/>
+              </a:ext>
+            </a:extLst>
+          </p:cNvPr>
+          <p:cNvSpPr txBox="1">
+            <a:spLocks/>
+          </p:cNvSpPr>
+          <p:nvPr/>
+        </p:nvSpPr>
+        <p:spPr>
+          <a:xfrm>
+            <a:off x="545890" y="5481681"/>
+            <a:ext cx="3774497" cy="348083"/>
+          </a:xfrm>
+          <a:prstGeom prst="rect">
+            <a:avLst/>
+          </a:prstGeom>
+        </p:spPr>
+        <p:txBody>
+          <a:bodyPr vert="horz" lIns="91440" tIns="45720" rIns="91440" bIns="45720" rtlCol="0" anchor="b">
+            <a:noAutofit/>
+          </a:bodyPr>
+          <a:lstStyle>
+            <a:lvl1pPr algn="ctr" defTabSz="914400" rtl="0" eaLnBrk="1" latinLnBrk="0" hangingPunct="1">
+              <a:lnSpc>
+                <a:spcPct val="90000"/>
+              </a:lnSpc>
+              <a:spcBef>
+                <a:spcPct val="0"/>
+              </a:spcBef>
+              <a:buNone/>
+              <a:defRPr sz="6000" kern="1200">
+                <a:solidFill>
+                  <a:schemeClr val="tx1"/>
+                </a:solidFill>
+                <a:latin typeface="+mj-lt"/>
+                <a:ea typeface="+mj-ea"/>
+                <a:cs typeface="+mj-cs"/>
+              </a:defRPr>
+            </a:lvl1pPr>
+          </a:lstStyle>
+          <a:p>
+            <a:r>
+              <a:rPr lang="en-US" altLang="zh-CN" sz="1800" b="1" dirty="0"/>
+              <a:t>• </a:t>
+            </a:r>
+            <a:r>
+              <a:rPr lang="en-US" altLang="zh-CN" sz="1800" b="1" dirty="0" err="1"/>
+              <a:t>UAsyncAction_PushConfirmScreen</a:t>
+            </a:r>
+            <a:endParaRPr lang="en-US" altLang="zh-CN" sz="1800" b="1" dirty="0"/>
+          </a:p>
+        </p:txBody>
+      </p:sp>
+      <p:sp>
+        <p:nvSpPr>
+          <p:cNvPr id="3" name="文本框 2">
+            <a:extLst>
+              <a:ext uri="{FF2B5EF4-FFF2-40B4-BE49-F238E27FC236}">
+                <a16:creationId xmlns:a16="http://schemas.microsoft.com/office/drawing/2014/main" id="{A6010503-9E53-A8AE-ABD2-6EE5E9099110}"/>
+              </a:ext>
+            </a:extLst>
+          </p:cNvPr>
+          <p:cNvSpPr txBox="1"/>
+          <p:nvPr/>
+        </p:nvSpPr>
+        <p:spPr>
+          <a:xfrm>
+            <a:off x="745298" y="5860227"/>
+            <a:ext cx="6951946" cy="738664"/>
+          </a:xfrm>
+          <a:prstGeom prst="rect">
+            <a:avLst/>
+          </a:prstGeom>
+          <a:noFill/>
+        </p:spPr>
+        <p:txBody>
+          <a:bodyPr wrap="square" rtlCol="0">
+            <a:spAutoFit/>
+          </a:bodyPr>
+          <a:lstStyle/>
+          <a:p>
+            <a:r>
+              <a:rPr lang="zh-CN" altLang="en-US" sz="1400" dirty="0"/>
+              <a:t>主要作用是作为一个 </a:t>
+            </a:r>
+            <a:r>
+              <a:rPr lang="zh-CN" altLang="en-US" sz="1400" b="1" dirty="0"/>
+              <a:t>蓝图友好</a:t>
+            </a:r>
+            <a:r>
+              <a:rPr lang="zh-CN" altLang="en-US" sz="1400" dirty="0"/>
+              <a:t> 的异步操作节点（</a:t>
+            </a:r>
+            <a:r>
+              <a:rPr lang="en-US" altLang="zh-CN" sz="1400" dirty="0"/>
+              <a:t>Blueprint Async Action</a:t>
+            </a:r>
+            <a:r>
+              <a:rPr lang="zh-CN" altLang="en-US" sz="1400" dirty="0"/>
+              <a:t>），用于将确认屏幕（</a:t>
+            </a:r>
+            <a:r>
+              <a:rPr lang="en-US" altLang="zh-CN" sz="1400" dirty="0"/>
+              <a:t>Confirm Screen</a:t>
+            </a:r>
+            <a:r>
+              <a:rPr lang="zh-CN" altLang="en-US" sz="1400" dirty="0"/>
+              <a:t>）异步推送到 </a:t>
+            </a:r>
+            <a:r>
+              <a:rPr lang="en-US" altLang="zh-CN" sz="1400" dirty="0"/>
+              <a:t>UI </a:t>
+            </a:r>
+            <a:r>
+              <a:rPr lang="zh-CN" altLang="en-US" sz="1400" dirty="0"/>
+              <a:t>模态堆栈，并提供一个 </a:t>
+            </a:r>
+            <a:r>
+              <a:rPr lang="zh-CN" altLang="en-US" sz="1400" b="1" dirty="0"/>
+              <a:t>可连接的事件引脚</a:t>
+            </a:r>
+            <a:r>
+              <a:rPr lang="zh-CN" altLang="en-US" sz="1400" dirty="0"/>
+              <a:t> </a:t>
+            </a:r>
+            <a:r>
+              <a:rPr lang="en-US" altLang="zh-CN" sz="1400" dirty="0"/>
+              <a:t>(Blueprint Assignable Delegate) </a:t>
+            </a:r>
+            <a:r>
+              <a:rPr lang="zh-CN" altLang="en-US" sz="1400" dirty="0"/>
+              <a:t>来接收用户点击按钮的结果。</a:t>
+            </a:r>
+            <a:endParaRPr lang="en-US" altLang="zh-CN" sz="1400" dirty="0"/>
+          </a:p>
+        </p:txBody>
+      </p:sp>
+    </p:spTree>
+    <p:extLst>
+      <p:ext uri="{BB962C8B-B14F-4D97-AF65-F5344CB8AC3E}">
+        <p14:creationId xmlns:p14="http://schemas.microsoft.com/office/powerpoint/2010/main" val="4196147602"/>
+      </p:ext>
+    </p:extLst>
+  </p:cSld>
+  <p:clrMapOvr>
+    <a:masterClrMapping/>
+  </p:clrMapOvr>
+</p:sld>
+</file>
+
+<file path=ppt/slides/slide13.xml><?xml version="1.0" encoding="utf-8"?>
+<p:sld xmlns:a="http://schemas.openxmlformats.org/drawingml/2006/main" xmlns:r="http://schemas.openxmlformats.org/officeDocument/2006/relationships" xmlns:p="http://schemas.openxmlformats.org/presentationml/2006/main">
+  <p:cSld>
+    <p:spTree>
+      <p:nvGrpSpPr>
+        <p:cNvPr id="1" name="">
+          <a:extLst>
+            <a:ext uri="{FF2B5EF4-FFF2-40B4-BE49-F238E27FC236}">
+              <a16:creationId xmlns:a16="http://schemas.microsoft.com/office/drawing/2014/main" id="{90890440-1338-04F3-A4FC-85BCE437CFD2}"/>
+            </a:ext>
+          </a:extLst>
+        </p:cNvPr>
+        <p:cNvGrpSpPr/>
+        <p:nvPr/>
+      </p:nvGrpSpPr>
+      <p:grpSpPr>
+        <a:xfrm>
+          <a:off x="0" y="0"/>
+          <a:ext cx="0" cy="0"/>
+          <a:chOff x="0" y="0"/>
+          <a:chExt cx="0" cy="0"/>
+        </a:xfrm>
+      </p:grpSpPr>
+      <p:sp>
+        <p:nvSpPr>
+          <p:cNvPr id="2" name="标题 1">
+            <a:extLst>
+              <a:ext uri="{FF2B5EF4-FFF2-40B4-BE49-F238E27FC236}">
+                <a16:creationId xmlns:a16="http://schemas.microsoft.com/office/drawing/2014/main" id="{31B8F660-D924-4DA1-8610-EFD534A5034C}"/>
+              </a:ext>
+            </a:extLst>
+          </p:cNvPr>
+          <p:cNvSpPr>
+            <a:spLocks noGrp="1"/>
+          </p:cNvSpPr>
+          <p:nvPr>
+            <p:ph type="ctrTitle"/>
+          </p:nvPr>
+        </p:nvSpPr>
+        <p:spPr>
+          <a:xfrm>
+            <a:off x="4597224" y="227022"/>
+            <a:ext cx="2115995" cy="632539"/>
+          </a:xfrm>
+        </p:spPr>
+        <p:txBody>
+          <a:bodyPr>
+            <a:normAutofit fontScale="90000"/>
+          </a:bodyPr>
+          <a:lstStyle/>
+          <a:p>
+            <a:r>
+              <a:rPr lang="zh-CN" altLang="en-US" sz="4000" dirty="0"/>
+              <a:t>类的功能</a:t>
+            </a:r>
+          </a:p>
+        </p:txBody>
+      </p:sp>
+      <p:sp>
+        <p:nvSpPr>
+          <p:cNvPr id="7" name="标题 1">
+            <a:extLst>
+              <a:ext uri="{FF2B5EF4-FFF2-40B4-BE49-F238E27FC236}">
+                <a16:creationId xmlns:a16="http://schemas.microsoft.com/office/drawing/2014/main" id="{516CB4D4-F6AF-788A-56D6-E590962214D1}"/>
+              </a:ext>
+            </a:extLst>
+          </p:cNvPr>
+          <p:cNvSpPr txBox="1">
+            <a:spLocks/>
+          </p:cNvSpPr>
+          <p:nvPr/>
+        </p:nvSpPr>
+        <p:spPr>
+          <a:xfrm>
+            <a:off x="594985" y="807929"/>
+            <a:ext cx="4075205" cy="348083"/>
+          </a:xfrm>
+          <a:prstGeom prst="rect">
+            <a:avLst/>
+          </a:prstGeom>
+        </p:spPr>
+        <p:txBody>
+          <a:bodyPr vert="horz" lIns="91440" tIns="45720" rIns="91440" bIns="45720" rtlCol="0" anchor="b">
+            <a:noAutofit/>
+          </a:bodyPr>
+          <a:lstStyle>
+            <a:lvl1pPr algn="ctr" defTabSz="914400" rtl="0" eaLnBrk="1" latinLnBrk="0" hangingPunct="1">
+              <a:lnSpc>
+                <a:spcPct val="90000"/>
+              </a:lnSpc>
+              <a:spcBef>
+                <a:spcPct val="0"/>
+              </a:spcBef>
+              <a:buNone/>
+              <a:defRPr sz="6000" kern="1200">
+                <a:solidFill>
+                  <a:schemeClr val="tx1"/>
+                </a:solidFill>
+                <a:latin typeface="+mj-lt"/>
+                <a:ea typeface="+mj-ea"/>
+                <a:cs typeface="+mj-cs"/>
+              </a:defRPr>
+            </a:lvl1pPr>
+          </a:lstStyle>
+          <a:p>
+            <a:endParaRPr lang="en-US" altLang="zh-CN" sz="2000" b="1" dirty="0"/>
+          </a:p>
+        </p:txBody>
+      </p:sp>
+      <p:sp>
+        <p:nvSpPr>
+          <p:cNvPr id="5" name="标题 1">
+            <a:extLst>
+              <a:ext uri="{FF2B5EF4-FFF2-40B4-BE49-F238E27FC236}">
+                <a16:creationId xmlns:a16="http://schemas.microsoft.com/office/drawing/2014/main" id="{B4928ACD-AF24-89D5-EA60-9E8627886CDD}"/>
+              </a:ext>
+            </a:extLst>
+          </p:cNvPr>
+          <p:cNvSpPr txBox="1">
+            <a:spLocks/>
+          </p:cNvSpPr>
+          <p:nvPr/>
+        </p:nvSpPr>
+        <p:spPr>
+          <a:xfrm>
+            <a:off x="459974" y="3479930"/>
+            <a:ext cx="3206663" cy="348083"/>
+          </a:xfrm>
+          <a:prstGeom prst="rect">
+            <a:avLst/>
+          </a:prstGeom>
+        </p:spPr>
+        <p:txBody>
+          <a:bodyPr vert="horz" lIns="91440" tIns="45720" rIns="91440" bIns="45720" rtlCol="0" anchor="b">
+            <a:noAutofit/>
+          </a:bodyPr>
+          <a:lstStyle>
+            <a:lvl1pPr algn="ctr" defTabSz="914400" rtl="0" eaLnBrk="1" latinLnBrk="0" hangingPunct="1">
+              <a:lnSpc>
+                <a:spcPct val="90000"/>
+              </a:lnSpc>
+              <a:spcBef>
+                <a:spcPct val="0"/>
+              </a:spcBef>
+              <a:buNone/>
+              <a:defRPr sz="6000" kern="1200">
+                <a:solidFill>
+                  <a:schemeClr val="tx1"/>
+                </a:solidFill>
+                <a:latin typeface="+mj-lt"/>
+                <a:ea typeface="+mj-ea"/>
+                <a:cs typeface="+mj-cs"/>
+              </a:defRPr>
+            </a:lvl1pPr>
+          </a:lstStyle>
+          <a:p>
+            <a:r>
+              <a:rPr lang="en-US" altLang="zh-CN" sz="1800" b="1" dirty="0">
+                <a:latin typeface="+mj-ea"/>
+              </a:rPr>
+              <a:t>• </a:t>
+            </a:r>
+            <a:r>
+              <a:rPr lang="en-US" altLang="zh-CN" sz="1800" b="1" dirty="0" err="1"/>
+              <a:t>WBP_CAW_StoryScreen</a:t>
+            </a:r>
+            <a:endParaRPr lang="en-US" altLang="zh-CN" sz="1800" b="1" dirty="0"/>
+          </a:p>
+        </p:txBody>
+      </p:sp>
+      <p:sp>
+        <p:nvSpPr>
+          <p:cNvPr id="6" name="文本框 5">
+            <a:extLst>
+              <a:ext uri="{FF2B5EF4-FFF2-40B4-BE49-F238E27FC236}">
+                <a16:creationId xmlns:a16="http://schemas.microsoft.com/office/drawing/2014/main" id="{45D32554-8A47-E589-B679-5B88D5695606}"/>
+              </a:ext>
+            </a:extLst>
+          </p:cNvPr>
+          <p:cNvSpPr txBox="1"/>
+          <p:nvPr/>
+        </p:nvSpPr>
+        <p:spPr>
+          <a:xfrm>
+            <a:off x="745298" y="3998489"/>
+            <a:ext cx="6951946" cy="307777"/>
+          </a:xfrm>
+          <a:prstGeom prst="rect">
+            <a:avLst/>
+          </a:prstGeom>
+          <a:noFill/>
+        </p:spPr>
+        <p:txBody>
+          <a:bodyPr wrap="square" rtlCol="0">
+            <a:spAutoFit/>
+          </a:bodyPr>
+          <a:lstStyle/>
+          <a:p>
+            <a:r>
+              <a:rPr lang="zh-CN" altLang="en-US" sz="1400" dirty="0"/>
+              <a:t>创建并集成 故事屏幕</a:t>
+            </a:r>
+            <a:endParaRPr lang="en-US" altLang="zh-CN" sz="1400" dirty="0"/>
+          </a:p>
+        </p:txBody>
+      </p:sp>
+      <p:sp>
+        <p:nvSpPr>
+          <p:cNvPr id="4" name="文本框 3">
+            <a:extLst>
+              <a:ext uri="{FF2B5EF4-FFF2-40B4-BE49-F238E27FC236}">
+                <a16:creationId xmlns:a16="http://schemas.microsoft.com/office/drawing/2014/main" id="{1825F906-CF6F-B8F6-ACCF-E3163CE4BED3}"/>
+              </a:ext>
+            </a:extLst>
+          </p:cNvPr>
+          <p:cNvSpPr txBox="1"/>
+          <p:nvPr/>
+        </p:nvSpPr>
+        <p:spPr>
+          <a:xfrm>
+            <a:off x="745298" y="859561"/>
+            <a:ext cx="6097022" cy="369332"/>
+          </a:xfrm>
+          <a:prstGeom prst="rect">
+            <a:avLst/>
+          </a:prstGeom>
+          <a:noFill/>
+        </p:spPr>
+        <p:txBody>
+          <a:bodyPr wrap="square">
+            <a:spAutoFit/>
+          </a:bodyPr>
+          <a:lstStyle/>
+          <a:p>
+            <a:r>
+              <a:rPr lang="en-US" altLang="zh-CN" b="1" dirty="0">
+                <a:latin typeface="+mj-ea"/>
+                <a:ea typeface="+mj-ea"/>
+              </a:rPr>
+              <a:t>• </a:t>
+            </a:r>
+            <a:r>
+              <a:rPr lang="zh-CN" altLang="en-US" b="1" dirty="0">
+                <a:latin typeface="+mj-ea"/>
+                <a:ea typeface="+mj-ea"/>
+              </a:rPr>
+              <a:t>WBP_CAW_MainMenu</a:t>
+            </a:r>
+          </a:p>
+        </p:txBody>
+      </p:sp>
+      <p:sp>
+        <p:nvSpPr>
+          <p:cNvPr id="8" name="文本框 7">
+            <a:extLst>
+              <a:ext uri="{FF2B5EF4-FFF2-40B4-BE49-F238E27FC236}">
+                <a16:creationId xmlns:a16="http://schemas.microsoft.com/office/drawing/2014/main" id="{37EB8C69-21ED-0976-DF70-365742B88714}"/>
+              </a:ext>
+            </a:extLst>
+          </p:cNvPr>
+          <p:cNvSpPr txBox="1"/>
+          <p:nvPr/>
+        </p:nvSpPr>
+        <p:spPr>
+          <a:xfrm>
+            <a:off x="745298" y="1230490"/>
+            <a:ext cx="6951946" cy="738664"/>
+          </a:xfrm>
+          <a:prstGeom prst="rect">
+            <a:avLst/>
+          </a:prstGeom>
+          <a:noFill/>
+        </p:spPr>
+        <p:txBody>
+          <a:bodyPr wrap="square" rtlCol="0">
+            <a:spAutoFit/>
+          </a:bodyPr>
+          <a:lstStyle/>
+          <a:p>
+            <a:r>
+              <a:rPr lang="en-US" altLang="zh-CN" sz="1400" dirty="0" err="1"/>
+              <a:t>OnButtonClicked_Quit</a:t>
+            </a:r>
+            <a:r>
+              <a:rPr lang="en-US" altLang="zh-CN" sz="1400" dirty="0"/>
+              <a:t>()</a:t>
+            </a:r>
+            <a:r>
+              <a:rPr lang="zh-CN" altLang="en-US" sz="1400" dirty="0"/>
+              <a:t>函数中使用</a:t>
+            </a:r>
+            <a:r>
+              <a:rPr lang="en-US" altLang="zh-CN" sz="1400" dirty="0" err="1"/>
+              <a:t>PushConfirmScreen</a:t>
+            </a:r>
+            <a:r>
+              <a:rPr lang="zh-CN" altLang="en-US" sz="1400" dirty="0"/>
+              <a:t>函数将确认屏幕（</a:t>
+            </a:r>
+            <a:r>
+              <a:rPr lang="en-US" altLang="zh-CN" sz="1400" dirty="0"/>
+              <a:t>Confirm Screen</a:t>
+            </a:r>
+            <a:r>
+              <a:rPr lang="zh-CN" altLang="en-US" sz="1400" dirty="0"/>
+              <a:t>）异步推送。</a:t>
+            </a:r>
+            <a:endParaRPr lang="en-US" altLang="zh-CN" sz="1400" dirty="0"/>
+          </a:p>
+          <a:p>
+            <a:r>
+              <a:rPr lang="en-US" altLang="zh-CN" sz="1400" dirty="0" err="1"/>
+              <a:t>OnButtonClicked_Story</a:t>
+            </a:r>
+            <a:r>
+              <a:rPr lang="en-US" altLang="zh-CN" sz="1400" dirty="0"/>
+              <a:t>()</a:t>
+            </a:r>
+            <a:r>
+              <a:rPr lang="zh-CN" altLang="en-US" sz="1400" dirty="0"/>
+              <a:t>函数使用</a:t>
+            </a:r>
+            <a:r>
+              <a:rPr lang="en-US" altLang="zh-CN" sz="1400" dirty="0" err="1"/>
+              <a:t>PushConfirmScreen</a:t>
+            </a:r>
+            <a:r>
+              <a:rPr lang="zh-CN" altLang="en-US" sz="1400" dirty="0"/>
+              <a:t>函数将</a:t>
+            </a:r>
+            <a:r>
+              <a:rPr lang="en-US" altLang="zh-CN" sz="1400" dirty="0"/>
+              <a:t>Story</a:t>
+            </a:r>
+            <a:r>
+              <a:rPr lang="zh-CN" altLang="en-US" sz="1400" dirty="0"/>
+              <a:t>屏幕异步推送。</a:t>
+            </a:r>
+            <a:endParaRPr lang="en-US" altLang="zh-CN" sz="1400" dirty="0"/>
+          </a:p>
+        </p:txBody>
+      </p:sp>
+      <p:sp>
+        <p:nvSpPr>
+          <p:cNvPr id="9" name="文本框 8">
+            <a:extLst>
+              <a:ext uri="{FF2B5EF4-FFF2-40B4-BE49-F238E27FC236}">
+                <a16:creationId xmlns:a16="http://schemas.microsoft.com/office/drawing/2014/main" id="{9FA8C5B8-EC04-AE05-2748-7B09589F7417}"/>
+              </a:ext>
+            </a:extLst>
+          </p:cNvPr>
+          <p:cNvSpPr txBox="1"/>
+          <p:nvPr/>
+        </p:nvSpPr>
+        <p:spPr>
+          <a:xfrm>
+            <a:off x="745298" y="2198484"/>
+            <a:ext cx="6097022" cy="369332"/>
+          </a:xfrm>
+          <a:prstGeom prst="rect">
+            <a:avLst/>
+          </a:prstGeom>
+          <a:noFill/>
+        </p:spPr>
+        <p:txBody>
+          <a:bodyPr wrap="square">
+            <a:spAutoFit/>
+          </a:bodyPr>
+          <a:lstStyle/>
+          <a:p>
+            <a:r>
+              <a:rPr lang="en-US" altLang="zh-CN" b="1" dirty="0">
+                <a:latin typeface="+mj-ea"/>
+              </a:rPr>
+              <a:t>• </a:t>
+            </a:r>
+            <a:r>
+              <a:rPr lang="en-US" altLang="zh-CN" b="1" dirty="0" err="1">
+                <a:latin typeface="+mj-ea"/>
+                <a:ea typeface="+mj-ea"/>
+              </a:rPr>
+              <a:t>WBP_CAW_ConfirmScreen</a:t>
+            </a:r>
+            <a:endParaRPr lang="zh-CN" altLang="en-US" b="1" dirty="0">
+              <a:latin typeface="+mj-ea"/>
+              <a:ea typeface="+mj-ea"/>
+            </a:endParaRPr>
+          </a:p>
+        </p:txBody>
+      </p:sp>
+      <p:sp>
+        <p:nvSpPr>
+          <p:cNvPr id="10" name="文本框 9">
+            <a:extLst>
+              <a:ext uri="{FF2B5EF4-FFF2-40B4-BE49-F238E27FC236}">
+                <a16:creationId xmlns:a16="http://schemas.microsoft.com/office/drawing/2014/main" id="{EF31D395-051A-D307-184A-AE6B021E44C2}"/>
+              </a:ext>
+            </a:extLst>
+          </p:cNvPr>
+          <p:cNvSpPr txBox="1"/>
+          <p:nvPr/>
+        </p:nvSpPr>
+        <p:spPr>
+          <a:xfrm>
+            <a:off x="745298" y="2722211"/>
+            <a:ext cx="6951946" cy="307777"/>
+          </a:xfrm>
+          <a:prstGeom prst="rect">
+            <a:avLst/>
+          </a:prstGeom>
+          <a:noFill/>
+        </p:spPr>
+        <p:txBody>
+          <a:bodyPr wrap="square" rtlCol="0">
+            <a:spAutoFit/>
+          </a:bodyPr>
+          <a:lstStyle/>
+          <a:p>
+            <a:r>
+              <a:rPr lang="zh-CN" altLang="en-US" sz="1400" dirty="0"/>
+              <a:t>配置确认屏幕的蓝图 </a:t>
+            </a:r>
+            <a:r>
+              <a:rPr lang="en-US" altLang="zh-CN" sz="1400" dirty="0"/>
+              <a:t>Widget</a:t>
+            </a:r>
+            <a:r>
+              <a:rPr lang="zh-CN" altLang="en-US" sz="1400" dirty="0"/>
+              <a:t>并添加到</a:t>
+            </a:r>
+            <a:r>
+              <a:rPr lang="en-US" altLang="zh-CN" sz="1400" dirty="0"/>
+              <a:t>Front End Widget Map</a:t>
+            </a:r>
+            <a:r>
+              <a:rPr lang="zh-CN" altLang="en-US" sz="1400" dirty="0"/>
+              <a:t>中去。</a:t>
+            </a:r>
+            <a:r>
+              <a:rPr lang="en-US" altLang="zh-CN" sz="1400" dirty="0"/>
+              <a:t> </a:t>
+            </a:r>
+          </a:p>
+        </p:txBody>
+      </p:sp>
+    </p:spTree>
+    <p:extLst>
+      <p:ext uri="{BB962C8B-B14F-4D97-AF65-F5344CB8AC3E}">
+        <p14:creationId xmlns:p14="http://schemas.microsoft.com/office/powerpoint/2010/main" val="2721422688"/>
+      </p:ext>
+    </p:extLst>
+  </p:cSld>
+  <p:clrMapOvr>
+    <a:masterClrMapping/>
+  </p:clrMapOvr>
+</p:sld>
+</file>
+
 <file path=ppt/slides/slide2.xml><?xml version="1.0" encoding="utf-8"?>
+<p:sld xmlns:a="http://schemas.openxmlformats.org/drawingml/2006/main" xmlns:r="http://schemas.openxmlformats.org/officeDocument/2006/relationships" xmlns:p="http://schemas.openxmlformats.org/presentationml/2006/main">
+  <p:cSld>
+    <p:spTree>
+      <p:nvGrpSpPr>
+        <p:cNvPr id="1" name="">
+          <a:extLst>
+            <a:ext uri="{FF2B5EF4-FFF2-40B4-BE49-F238E27FC236}">
+              <a16:creationId xmlns:a16="http://schemas.microsoft.com/office/drawing/2014/main" id="{E05C1F37-BF00-8B63-2D80-BF1630069674}"/>
+            </a:ext>
+          </a:extLst>
+        </p:cNvPr>
+        <p:cNvGrpSpPr/>
+        <p:nvPr/>
+      </p:nvGrpSpPr>
+      <p:grpSpPr>
+        <a:xfrm>
+          <a:off x="0" y="0"/>
+          <a:ext cx="0" cy="0"/>
+          <a:chOff x="0" y="0"/>
+          <a:chExt cx="0" cy="0"/>
+        </a:xfrm>
+      </p:grpSpPr>
+      <p:sp>
+        <p:nvSpPr>
+          <p:cNvPr id="2" name="标题 1">
+            <a:extLst>
+              <a:ext uri="{FF2B5EF4-FFF2-40B4-BE49-F238E27FC236}">
+                <a16:creationId xmlns:a16="http://schemas.microsoft.com/office/drawing/2014/main" id="{29C17C1F-42D2-BFF9-0778-788DBAD217C7}"/>
+              </a:ext>
+            </a:extLst>
+          </p:cNvPr>
+          <p:cNvSpPr>
+            <a:spLocks noGrp="1"/>
+          </p:cNvSpPr>
+          <p:nvPr>
+            <p:ph type="ctrTitle"/>
+          </p:nvPr>
+        </p:nvSpPr>
+        <p:spPr>
+          <a:xfrm>
+            <a:off x="4597224" y="227022"/>
+            <a:ext cx="2533869" cy="632539"/>
+          </a:xfrm>
+        </p:spPr>
+        <p:txBody>
+          <a:bodyPr>
+            <a:normAutofit fontScale="90000"/>
+          </a:bodyPr>
+          <a:lstStyle/>
+          <a:p>
+            <a:r>
+              <a:rPr lang="zh-CN" altLang="en-US" sz="4000" dirty="0"/>
+              <a:t>类的设计二</a:t>
+            </a:r>
+          </a:p>
+        </p:txBody>
+      </p:sp>
+      <p:sp>
+        <p:nvSpPr>
+          <p:cNvPr id="21" name="流程图: 终止 20">
+            <a:extLst>
+              <a:ext uri="{FF2B5EF4-FFF2-40B4-BE49-F238E27FC236}">
+                <a16:creationId xmlns:a16="http://schemas.microsoft.com/office/drawing/2014/main" id="{65A92E21-4B35-9606-0C8B-28B64239BDC1}"/>
+              </a:ext>
+            </a:extLst>
+          </p:cNvPr>
+          <p:cNvSpPr/>
+          <p:nvPr/>
+        </p:nvSpPr>
+        <p:spPr>
+          <a:xfrm>
+            <a:off x="331601" y="2641776"/>
+            <a:ext cx="1387366" cy="395715"/>
+          </a:xfrm>
+          <a:prstGeom prst="flowChartTerminator">
+            <a:avLst/>
+          </a:prstGeom>
+        </p:spPr>
+        <p:style>
+          <a:lnRef idx="2">
+            <a:schemeClr val="dk1">
+              <a:shade val="15000"/>
+            </a:schemeClr>
+          </a:lnRef>
+          <a:fillRef idx="1">
+            <a:schemeClr val="dk1"/>
+          </a:fillRef>
+          <a:effectRef idx="0">
+            <a:schemeClr val="dk1"/>
+          </a:effectRef>
+          <a:fontRef idx="minor">
+            <a:schemeClr val="lt1"/>
+          </a:fontRef>
+        </p:style>
+        <p:txBody>
+          <a:bodyPr rtlCol="0" anchor="ctr"/>
+          <a:lstStyle/>
+          <a:p>
+            <a:r>
+              <a:rPr lang="en-US" altLang="zh-CN" sz="1100" dirty="0" err="1"/>
+              <a:t>UObject</a:t>
+            </a:r>
+            <a:endParaRPr lang="en-US" altLang="zh-CN" sz="1100" dirty="0"/>
+          </a:p>
+        </p:txBody>
+      </p:sp>
+      <p:sp>
+        <p:nvSpPr>
+          <p:cNvPr id="23" name="流程图: 终止 22">
+            <a:extLst>
+              <a:ext uri="{FF2B5EF4-FFF2-40B4-BE49-F238E27FC236}">
+                <a16:creationId xmlns:a16="http://schemas.microsoft.com/office/drawing/2014/main" id="{28A49931-761B-308D-29F1-041ACF970D36}"/>
+              </a:ext>
+            </a:extLst>
+          </p:cNvPr>
+          <p:cNvSpPr/>
+          <p:nvPr/>
+        </p:nvSpPr>
+        <p:spPr>
+          <a:xfrm>
+            <a:off x="1890286" y="2641775"/>
+            <a:ext cx="1387366" cy="395715"/>
+          </a:xfrm>
+          <a:prstGeom prst="flowChartTerminator">
+            <a:avLst/>
+          </a:prstGeom>
+        </p:spPr>
+        <p:style>
+          <a:lnRef idx="2">
+            <a:schemeClr val="dk1"/>
+          </a:lnRef>
+          <a:fillRef idx="1">
+            <a:schemeClr val="lt1"/>
+          </a:fillRef>
+          <a:effectRef idx="0">
+            <a:schemeClr val="dk1"/>
+          </a:effectRef>
+          <a:fontRef idx="minor">
+            <a:schemeClr val="dk1"/>
+          </a:fontRef>
+        </p:style>
+        <p:txBody>
+          <a:bodyPr rtlCol="0" anchor="ctr"/>
+          <a:lstStyle/>
+          <a:p>
+            <a:r>
+              <a:rPr lang="en-US" altLang="zh-CN" sz="1100" dirty="0" err="1"/>
+              <a:t>UConfirmScreenInfoObject</a:t>
+            </a:r>
+            <a:endParaRPr lang="en-US" altLang="zh-CN" sz="1100" dirty="0"/>
+          </a:p>
+        </p:txBody>
+      </p:sp>
+      <p:cxnSp>
+        <p:nvCxnSpPr>
+          <p:cNvPr id="32" name="直接箭头连接符 31">
+            <a:extLst>
+              <a:ext uri="{FF2B5EF4-FFF2-40B4-BE49-F238E27FC236}">
+                <a16:creationId xmlns:a16="http://schemas.microsoft.com/office/drawing/2014/main" id="{25644536-4B29-2179-1F6E-BFA5665FDD47}"/>
+              </a:ext>
+            </a:extLst>
+          </p:cNvPr>
+          <p:cNvCxnSpPr>
+            <a:cxnSpLocks/>
+            <a:stCxn id="21" idx="3"/>
+            <a:endCxn id="23" idx="1"/>
+          </p:cNvCxnSpPr>
+          <p:nvPr/>
+        </p:nvCxnSpPr>
+        <p:spPr>
+          <a:xfrm flipV="1">
+            <a:off x="1718967" y="2839633"/>
+            <a:ext cx="171319" cy="1"/>
+          </a:xfrm>
+          <a:prstGeom prst="straightConnector1">
+            <a:avLst/>
+          </a:prstGeom>
+          <a:ln>
+            <a:tailEnd type="triangle"/>
+          </a:ln>
+        </p:spPr>
+        <p:style>
+          <a:lnRef idx="1">
+            <a:schemeClr val="dk1"/>
+          </a:lnRef>
+          <a:fillRef idx="0">
+            <a:schemeClr val="dk1"/>
+          </a:fillRef>
+          <a:effectRef idx="0">
+            <a:schemeClr val="dk1"/>
+          </a:effectRef>
+          <a:fontRef idx="minor">
+            <a:schemeClr val="tx1"/>
+          </a:fontRef>
+        </p:style>
+      </p:cxnSp>
+      <p:sp>
+        <p:nvSpPr>
+          <p:cNvPr id="16" name="流程图: 终止 15">
+            <a:extLst>
+              <a:ext uri="{FF2B5EF4-FFF2-40B4-BE49-F238E27FC236}">
+                <a16:creationId xmlns:a16="http://schemas.microsoft.com/office/drawing/2014/main" id="{9BADC895-9A55-86E7-1F74-2A1EDA7B85EC}"/>
+              </a:ext>
+            </a:extLst>
+          </p:cNvPr>
+          <p:cNvSpPr/>
+          <p:nvPr/>
+        </p:nvSpPr>
+        <p:spPr>
+          <a:xfrm>
+            <a:off x="5911011" y="1499296"/>
+            <a:ext cx="1387366" cy="395715"/>
+          </a:xfrm>
+          <a:prstGeom prst="flowChartTerminator">
+            <a:avLst/>
+          </a:prstGeom>
+        </p:spPr>
+        <p:style>
+          <a:lnRef idx="2">
+            <a:schemeClr val="dk1">
+              <a:shade val="15000"/>
+            </a:schemeClr>
+          </a:lnRef>
+          <a:fillRef idx="1">
+            <a:schemeClr val="dk1"/>
+          </a:fillRef>
+          <a:effectRef idx="0">
+            <a:schemeClr val="dk1"/>
+          </a:effectRef>
+          <a:fontRef idx="minor">
+            <a:schemeClr val="lt1"/>
+          </a:fontRef>
+        </p:style>
+        <p:txBody>
+          <a:bodyPr rtlCol="0" anchor="ctr"/>
+          <a:lstStyle/>
+          <a:p>
+            <a:r>
+              <a:rPr lang="en-US" altLang="zh-CN" sz="1100" dirty="0" err="1"/>
+              <a:t>UCommonButtonBase</a:t>
+            </a:r>
+            <a:endParaRPr lang="en-US" altLang="zh-CN" sz="1100" dirty="0"/>
+          </a:p>
+        </p:txBody>
+      </p:sp>
+      <p:sp>
+        <p:nvSpPr>
+          <p:cNvPr id="17" name="流程图: 终止 16">
+            <a:extLst>
+              <a:ext uri="{FF2B5EF4-FFF2-40B4-BE49-F238E27FC236}">
+                <a16:creationId xmlns:a16="http://schemas.microsoft.com/office/drawing/2014/main" id="{D56C3944-D882-1089-1AE6-25902AF6523E}"/>
+              </a:ext>
+            </a:extLst>
+          </p:cNvPr>
+          <p:cNvSpPr/>
+          <p:nvPr/>
+        </p:nvSpPr>
+        <p:spPr>
+          <a:xfrm>
+            <a:off x="7641015" y="1499295"/>
+            <a:ext cx="1387366" cy="395715"/>
+          </a:xfrm>
+          <a:prstGeom prst="flowChartTerminator">
+            <a:avLst/>
+          </a:prstGeom>
+        </p:spPr>
+        <p:style>
+          <a:lnRef idx="2">
+            <a:schemeClr val="dk1"/>
+          </a:lnRef>
+          <a:fillRef idx="1">
+            <a:schemeClr val="lt1"/>
+          </a:fillRef>
+          <a:effectRef idx="0">
+            <a:schemeClr val="dk1"/>
+          </a:effectRef>
+          <a:fontRef idx="minor">
+            <a:schemeClr val="dk1"/>
+          </a:fontRef>
+        </p:style>
+        <p:txBody>
+          <a:bodyPr rtlCol="0" anchor="ctr"/>
+          <a:lstStyle/>
+          <a:p>
+            <a:r>
+              <a:rPr lang="en-US" altLang="zh-CN" sz="1100" dirty="0" err="1"/>
+              <a:t>UFrontendCommonButtonBase</a:t>
+            </a:r>
+            <a:endParaRPr lang="en-US" altLang="zh-CN" sz="1100" dirty="0"/>
+          </a:p>
+        </p:txBody>
+      </p:sp>
+      <p:cxnSp>
+        <p:nvCxnSpPr>
+          <p:cNvPr id="20" name="直接箭头连接符 19">
+            <a:extLst>
+              <a:ext uri="{FF2B5EF4-FFF2-40B4-BE49-F238E27FC236}">
+                <a16:creationId xmlns:a16="http://schemas.microsoft.com/office/drawing/2014/main" id="{79D062AF-5321-21B1-97CA-2DFE4330C007}"/>
+              </a:ext>
+            </a:extLst>
+          </p:cNvPr>
+          <p:cNvCxnSpPr>
+            <a:cxnSpLocks/>
+          </p:cNvCxnSpPr>
+          <p:nvPr/>
+        </p:nvCxnSpPr>
+        <p:spPr>
+          <a:xfrm flipV="1">
+            <a:off x="7298377" y="1697151"/>
+            <a:ext cx="342638" cy="1"/>
+          </a:xfrm>
+          <a:prstGeom prst="straightConnector1">
+            <a:avLst/>
+          </a:prstGeom>
+          <a:ln>
+            <a:tailEnd type="triangle"/>
+          </a:ln>
+        </p:spPr>
+        <p:style>
+          <a:lnRef idx="1">
+            <a:schemeClr val="dk1"/>
+          </a:lnRef>
+          <a:fillRef idx="0">
+            <a:schemeClr val="dk1"/>
+          </a:fillRef>
+          <a:effectRef idx="0">
+            <a:schemeClr val="dk1"/>
+          </a:effectRef>
+          <a:fontRef idx="minor">
+            <a:schemeClr val="tx1"/>
+          </a:fontRef>
+        </p:style>
+      </p:cxnSp>
+      <p:sp>
+        <p:nvSpPr>
+          <p:cNvPr id="27" name="流程图: 终止 26">
+            <a:extLst>
+              <a:ext uri="{FF2B5EF4-FFF2-40B4-BE49-F238E27FC236}">
+                <a16:creationId xmlns:a16="http://schemas.microsoft.com/office/drawing/2014/main" id="{554C2A1A-6E9F-CB84-F1CC-F31C2DADDC5E}"/>
+              </a:ext>
+            </a:extLst>
+          </p:cNvPr>
+          <p:cNvSpPr/>
+          <p:nvPr/>
+        </p:nvSpPr>
+        <p:spPr>
+          <a:xfrm>
+            <a:off x="5960106" y="3429000"/>
+            <a:ext cx="1387366" cy="395715"/>
+          </a:xfrm>
+          <a:prstGeom prst="flowChartTerminator">
+            <a:avLst/>
+          </a:prstGeom>
+        </p:spPr>
+        <p:style>
+          <a:lnRef idx="2">
+            <a:schemeClr val="dk1">
+              <a:shade val="15000"/>
+            </a:schemeClr>
+          </a:lnRef>
+          <a:fillRef idx="1">
+            <a:schemeClr val="dk1"/>
+          </a:fillRef>
+          <a:effectRef idx="0">
+            <a:schemeClr val="dk1"/>
+          </a:effectRef>
+          <a:fontRef idx="minor">
+            <a:schemeClr val="lt1"/>
+          </a:fontRef>
+        </p:style>
+        <p:txBody>
+          <a:bodyPr rtlCol="0" anchor="ctr"/>
+          <a:lstStyle/>
+          <a:p>
+            <a:r>
+              <a:rPr lang="en-US" altLang="zh-CN" sz="1100" dirty="0" err="1"/>
+              <a:t>UCommonUIInputData</a:t>
+            </a:r>
+            <a:endParaRPr lang="en-US" altLang="zh-CN" sz="1100" dirty="0"/>
+          </a:p>
+        </p:txBody>
+      </p:sp>
+      <p:sp>
+        <p:nvSpPr>
+          <p:cNvPr id="7" name="矩形: 圆角 6">
+            <a:extLst>
+              <a:ext uri="{FF2B5EF4-FFF2-40B4-BE49-F238E27FC236}">
+                <a16:creationId xmlns:a16="http://schemas.microsoft.com/office/drawing/2014/main" id="{529A0505-9E23-1218-9276-BB51F68F0D40}"/>
+              </a:ext>
+            </a:extLst>
+          </p:cNvPr>
+          <p:cNvSpPr/>
+          <p:nvPr/>
+        </p:nvSpPr>
+        <p:spPr>
+          <a:xfrm>
+            <a:off x="9371019" y="1499294"/>
+            <a:ext cx="1387367" cy="395715"/>
+          </a:xfrm>
+          <a:prstGeom prst="roundRect">
+            <a:avLst>
+              <a:gd name="adj" fmla="val 15977"/>
+            </a:avLst>
+          </a:prstGeom>
+        </p:spPr>
+        <p:style>
+          <a:lnRef idx="1">
+            <a:schemeClr val="accent3"/>
+          </a:lnRef>
+          <a:fillRef idx="2">
+            <a:schemeClr val="accent3"/>
+          </a:fillRef>
+          <a:effectRef idx="1">
+            <a:schemeClr val="accent3"/>
+          </a:effectRef>
+          <a:fontRef idx="minor">
+            <a:schemeClr val="dk1"/>
+          </a:fontRef>
+        </p:style>
+        <p:txBody>
+          <a:bodyPr rtlCol="0" anchor="ctr"/>
+          <a:lstStyle/>
+          <a:p>
+            <a:pPr algn="ctr"/>
+            <a:r>
+              <a:rPr lang="en-US" altLang="zh-CN" sz="1100" dirty="0" err="1"/>
+              <a:t>WBP_Button_Default</a:t>
+            </a:r>
+            <a:endParaRPr lang="en-US" altLang="zh-CN" sz="1100" dirty="0"/>
+          </a:p>
+        </p:txBody>
+      </p:sp>
+      <p:cxnSp>
+        <p:nvCxnSpPr>
+          <p:cNvPr id="10" name="直接箭头连接符 9">
+            <a:extLst>
+              <a:ext uri="{FF2B5EF4-FFF2-40B4-BE49-F238E27FC236}">
+                <a16:creationId xmlns:a16="http://schemas.microsoft.com/office/drawing/2014/main" id="{9868F716-383A-A2FE-302B-822D858B9D33}"/>
+              </a:ext>
+            </a:extLst>
+          </p:cNvPr>
+          <p:cNvCxnSpPr>
+            <a:cxnSpLocks/>
+          </p:cNvCxnSpPr>
+          <p:nvPr/>
+        </p:nvCxnSpPr>
+        <p:spPr>
+          <a:xfrm flipV="1">
+            <a:off x="9028381" y="1697150"/>
+            <a:ext cx="342638" cy="1"/>
+          </a:xfrm>
+          <a:prstGeom prst="straightConnector1">
+            <a:avLst/>
+          </a:prstGeom>
+          <a:ln>
+            <a:tailEnd type="triangle"/>
+          </a:ln>
+        </p:spPr>
+        <p:style>
+          <a:lnRef idx="1">
+            <a:schemeClr val="dk1"/>
+          </a:lnRef>
+          <a:fillRef idx="0">
+            <a:schemeClr val="dk1"/>
+          </a:fillRef>
+          <a:effectRef idx="0">
+            <a:schemeClr val="dk1"/>
+          </a:effectRef>
+          <a:fontRef idx="minor">
+            <a:schemeClr val="tx1"/>
+          </a:fontRef>
+        </p:style>
+      </p:cxnSp>
+      <p:sp>
+        <p:nvSpPr>
+          <p:cNvPr id="13" name="流程图: 终止 12">
+            <a:extLst>
+              <a:ext uri="{FF2B5EF4-FFF2-40B4-BE49-F238E27FC236}">
+                <a16:creationId xmlns:a16="http://schemas.microsoft.com/office/drawing/2014/main" id="{DBF58CFA-6047-9BB8-CF03-7B30E7BF5EB1}"/>
+              </a:ext>
+            </a:extLst>
+          </p:cNvPr>
+          <p:cNvSpPr/>
+          <p:nvPr/>
+        </p:nvSpPr>
+        <p:spPr>
+          <a:xfrm>
+            <a:off x="7641015" y="2510399"/>
+            <a:ext cx="1387366" cy="395715"/>
+          </a:xfrm>
+          <a:prstGeom prst="flowChartTerminator">
+            <a:avLst/>
+          </a:prstGeom>
+        </p:spPr>
+        <p:style>
+          <a:lnRef idx="2">
+            <a:schemeClr val="dk1"/>
+          </a:lnRef>
+          <a:fillRef idx="1">
+            <a:schemeClr val="lt1"/>
+          </a:fillRef>
+          <a:effectRef idx="0">
+            <a:schemeClr val="dk1"/>
+          </a:effectRef>
+          <a:fontRef idx="minor">
+            <a:schemeClr val="dk1"/>
+          </a:fontRef>
+        </p:style>
+        <p:txBody>
+          <a:bodyPr rtlCol="0" anchor="ctr"/>
+          <a:lstStyle/>
+          <a:p>
+            <a:r>
+              <a:rPr lang="en-US" altLang="zh-CN" sz="1100" dirty="0" err="1"/>
+              <a:t>UCommonBoundActionButton</a:t>
+            </a:r>
+            <a:endParaRPr lang="en-US" altLang="zh-CN" sz="1100" dirty="0"/>
+          </a:p>
+        </p:txBody>
+      </p:sp>
+      <p:cxnSp>
+        <p:nvCxnSpPr>
+          <p:cNvPr id="19" name="连接符: 肘形 18">
+            <a:extLst>
+              <a:ext uri="{FF2B5EF4-FFF2-40B4-BE49-F238E27FC236}">
+                <a16:creationId xmlns:a16="http://schemas.microsoft.com/office/drawing/2014/main" id="{45711C26-7C87-9AAC-09C7-9DA0A3E6F740}"/>
+              </a:ext>
+            </a:extLst>
+          </p:cNvPr>
+          <p:cNvCxnSpPr>
+            <a:cxnSpLocks/>
+          </p:cNvCxnSpPr>
+          <p:nvPr/>
+        </p:nvCxnSpPr>
+        <p:spPr>
+          <a:xfrm>
+            <a:off x="7469695" y="1697150"/>
+            <a:ext cx="171319" cy="1029221"/>
+          </a:xfrm>
+          <a:prstGeom prst="bentConnector3">
+            <a:avLst/>
+          </a:prstGeom>
+          <a:ln>
+            <a:tailEnd type="triangle"/>
+          </a:ln>
+        </p:spPr>
+        <p:style>
+          <a:lnRef idx="1">
+            <a:schemeClr val="dk1"/>
+          </a:lnRef>
+          <a:fillRef idx="0">
+            <a:schemeClr val="dk1"/>
+          </a:fillRef>
+          <a:effectRef idx="0">
+            <a:schemeClr val="dk1"/>
+          </a:effectRef>
+          <a:fontRef idx="minor">
+            <a:schemeClr val="tx1"/>
+          </a:fontRef>
+        </p:style>
+      </p:cxnSp>
+      <p:sp>
+        <p:nvSpPr>
+          <p:cNvPr id="37" name="矩形: 圆角 36">
+            <a:extLst>
+              <a:ext uri="{FF2B5EF4-FFF2-40B4-BE49-F238E27FC236}">
+                <a16:creationId xmlns:a16="http://schemas.microsoft.com/office/drawing/2014/main" id="{860875E7-28CA-EB60-DD32-455B4C2BDFE4}"/>
+              </a:ext>
+            </a:extLst>
+          </p:cNvPr>
+          <p:cNvSpPr/>
+          <p:nvPr/>
+        </p:nvSpPr>
+        <p:spPr>
+          <a:xfrm>
+            <a:off x="9371018" y="2528513"/>
+            <a:ext cx="1387367" cy="395715"/>
+          </a:xfrm>
+          <a:prstGeom prst="roundRect">
+            <a:avLst>
+              <a:gd name="adj" fmla="val 15977"/>
+            </a:avLst>
+          </a:prstGeom>
+        </p:spPr>
+        <p:style>
+          <a:lnRef idx="1">
+            <a:schemeClr val="accent3"/>
+          </a:lnRef>
+          <a:fillRef idx="2">
+            <a:schemeClr val="accent3"/>
+          </a:fillRef>
+          <a:effectRef idx="1">
+            <a:schemeClr val="accent3"/>
+          </a:effectRef>
+          <a:fontRef idx="minor">
+            <a:schemeClr val="dk1"/>
+          </a:fontRef>
+        </p:style>
+        <p:txBody>
+          <a:bodyPr rtlCol="0" anchor="ctr"/>
+          <a:lstStyle/>
+          <a:p>
+            <a:pPr algn="ctr"/>
+            <a:r>
+              <a:rPr lang="en-US" altLang="zh-CN" sz="1100" dirty="0" err="1"/>
+              <a:t>WBP_Button_BoundAction</a:t>
+            </a:r>
+            <a:endParaRPr lang="en-US" altLang="zh-CN" sz="1100" dirty="0"/>
+          </a:p>
+        </p:txBody>
+      </p:sp>
+      <p:cxnSp>
+        <p:nvCxnSpPr>
+          <p:cNvPr id="39" name="直接箭头连接符 38">
+            <a:extLst>
+              <a:ext uri="{FF2B5EF4-FFF2-40B4-BE49-F238E27FC236}">
+                <a16:creationId xmlns:a16="http://schemas.microsoft.com/office/drawing/2014/main" id="{4DD321C2-DE0F-A020-68D8-599C32C4BABE}"/>
+              </a:ext>
+            </a:extLst>
+          </p:cNvPr>
+          <p:cNvCxnSpPr>
+            <a:cxnSpLocks/>
+          </p:cNvCxnSpPr>
+          <p:nvPr/>
+        </p:nvCxnSpPr>
+        <p:spPr>
+          <a:xfrm flipV="1">
+            <a:off x="9028380" y="2708255"/>
+            <a:ext cx="342638" cy="1"/>
+          </a:xfrm>
+          <a:prstGeom prst="straightConnector1">
+            <a:avLst/>
+          </a:prstGeom>
+          <a:ln>
+            <a:tailEnd type="triangle"/>
+          </a:ln>
+        </p:spPr>
+        <p:style>
+          <a:lnRef idx="1">
+            <a:schemeClr val="dk1"/>
+          </a:lnRef>
+          <a:fillRef idx="0">
+            <a:schemeClr val="dk1"/>
+          </a:fillRef>
+          <a:effectRef idx="0">
+            <a:schemeClr val="dk1"/>
+          </a:effectRef>
+          <a:fontRef idx="minor">
+            <a:schemeClr val="tx1"/>
+          </a:fontRef>
+        </p:style>
+      </p:cxnSp>
+      <p:sp>
+        <p:nvSpPr>
+          <p:cNvPr id="22" name="流程图: 终止 21">
+            <a:extLst>
+              <a:ext uri="{FF2B5EF4-FFF2-40B4-BE49-F238E27FC236}">
+                <a16:creationId xmlns:a16="http://schemas.microsoft.com/office/drawing/2014/main" id="{61BD8FAE-CA67-23CB-31F4-E7CFFB1C4C62}"/>
+              </a:ext>
+            </a:extLst>
+          </p:cNvPr>
+          <p:cNvSpPr/>
+          <p:nvPr/>
+        </p:nvSpPr>
+        <p:spPr>
+          <a:xfrm>
+            <a:off x="7518791" y="3428999"/>
+            <a:ext cx="1387366" cy="395715"/>
+          </a:xfrm>
+          <a:prstGeom prst="flowChartTerminator">
+            <a:avLst/>
+          </a:prstGeom>
+        </p:spPr>
+        <p:style>
+          <a:lnRef idx="2">
+            <a:schemeClr val="dk1"/>
+          </a:lnRef>
+          <a:fillRef idx="1">
+            <a:schemeClr val="lt1"/>
+          </a:fillRef>
+          <a:effectRef idx="0">
+            <a:schemeClr val="dk1"/>
+          </a:effectRef>
+          <a:fontRef idx="minor">
+            <a:schemeClr val="dk1"/>
+          </a:fontRef>
+        </p:style>
+        <p:txBody>
+          <a:bodyPr rtlCol="0" anchor="ctr"/>
+          <a:lstStyle/>
+          <a:p>
+            <a:r>
+              <a:rPr lang="en-US" altLang="zh-CN" sz="1100" dirty="0"/>
+              <a:t>InputData_Default</a:t>
+            </a:r>
+          </a:p>
+        </p:txBody>
+      </p:sp>
+      <p:cxnSp>
+        <p:nvCxnSpPr>
+          <p:cNvPr id="25" name="直接箭头连接符 24">
+            <a:extLst>
+              <a:ext uri="{FF2B5EF4-FFF2-40B4-BE49-F238E27FC236}">
+                <a16:creationId xmlns:a16="http://schemas.microsoft.com/office/drawing/2014/main" id="{FF288BA0-6FDB-C967-A7C2-BB659CF68938}"/>
+              </a:ext>
+            </a:extLst>
+          </p:cNvPr>
+          <p:cNvCxnSpPr>
+            <a:cxnSpLocks/>
+          </p:cNvCxnSpPr>
+          <p:nvPr/>
+        </p:nvCxnSpPr>
+        <p:spPr>
+          <a:xfrm flipV="1">
+            <a:off x="7311723" y="3626856"/>
+            <a:ext cx="171319" cy="1"/>
+          </a:xfrm>
+          <a:prstGeom prst="straightConnector1">
+            <a:avLst/>
+          </a:prstGeom>
+          <a:ln>
+            <a:tailEnd type="triangle"/>
+          </a:ln>
+        </p:spPr>
+        <p:style>
+          <a:lnRef idx="1">
+            <a:schemeClr val="dk1"/>
+          </a:lnRef>
+          <a:fillRef idx="0">
+            <a:schemeClr val="dk1"/>
+          </a:fillRef>
+          <a:effectRef idx="0">
+            <a:schemeClr val="dk1"/>
+          </a:effectRef>
+          <a:fontRef idx="minor">
+            <a:schemeClr val="tx1"/>
+          </a:fontRef>
+        </p:style>
+      </p:cxnSp>
+      <p:sp>
+        <p:nvSpPr>
+          <p:cNvPr id="26" name="流程图: 终止 25">
+            <a:extLst>
+              <a:ext uri="{FF2B5EF4-FFF2-40B4-BE49-F238E27FC236}">
+                <a16:creationId xmlns:a16="http://schemas.microsoft.com/office/drawing/2014/main" id="{0918187C-3594-76FF-7C40-E315EA12EB25}"/>
+              </a:ext>
+            </a:extLst>
+          </p:cNvPr>
+          <p:cNvSpPr/>
+          <p:nvPr/>
+        </p:nvSpPr>
+        <p:spPr>
+          <a:xfrm>
+            <a:off x="5917962" y="4298861"/>
+            <a:ext cx="1436461" cy="473411"/>
+          </a:xfrm>
+          <a:prstGeom prst="flowChartTerminator">
+            <a:avLst/>
+          </a:prstGeom>
+        </p:spPr>
+        <p:style>
+          <a:lnRef idx="2">
+            <a:schemeClr val="dk1">
+              <a:shade val="15000"/>
+            </a:schemeClr>
+          </a:lnRef>
+          <a:fillRef idx="1">
+            <a:schemeClr val="dk1"/>
+          </a:fillRef>
+          <a:effectRef idx="0">
+            <a:schemeClr val="dk1"/>
+          </a:effectRef>
+          <a:fontRef idx="minor">
+            <a:schemeClr val="lt1"/>
+          </a:fontRef>
+        </p:style>
+        <p:txBody>
+          <a:bodyPr rtlCol="0" anchor="ctr"/>
+          <a:lstStyle/>
+          <a:p>
+            <a:r>
+              <a:rPr lang="en-US" altLang="zh-CN" sz="1100" dirty="0" err="1"/>
+              <a:t>UCommonInputBaseControllerData</a:t>
+            </a:r>
+            <a:endParaRPr lang="en-US" altLang="zh-CN" sz="1100" dirty="0"/>
+          </a:p>
+        </p:txBody>
+      </p:sp>
+      <p:sp>
+        <p:nvSpPr>
+          <p:cNvPr id="28" name="流程图: 终止 27">
+            <a:extLst>
+              <a:ext uri="{FF2B5EF4-FFF2-40B4-BE49-F238E27FC236}">
+                <a16:creationId xmlns:a16="http://schemas.microsoft.com/office/drawing/2014/main" id="{7D4478FD-068E-08EA-AFD4-2A585F71FCEB}"/>
+              </a:ext>
+            </a:extLst>
+          </p:cNvPr>
+          <p:cNvSpPr/>
+          <p:nvPr/>
+        </p:nvSpPr>
+        <p:spPr>
+          <a:xfrm>
+            <a:off x="7518791" y="4298861"/>
+            <a:ext cx="1387366" cy="395715"/>
+          </a:xfrm>
+          <a:prstGeom prst="flowChartTerminator">
+            <a:avLst/>
+          </a:prstGeom>
+        </p:spPr>
+        <p:style>
+          <a:lnRef idx="2">
+            <a:schemeClr val="dk1"/>
+          </a:lnRef>
+          <a:fillRef idx="1">
+            <a:schemeClr val="lt1"/>
+          </a:fillRef>
+          <a:effectRef idx="0">
+            <a:schemeClr val="dk1"/>
+          </a:effectRef>
+          <a:fontRef idx="minor">
+            <a:schemeClr val="dk1"/>
+          </a:fontRef>
+        </p:style>
+        <p:txBody>
+          <a:bodyPr rtlCol="0" anchor="ctr"/>
+          <a:lstStyle/>
+          <a:p>
+            <a:r>
+              <a:rPr lang="en-US" altLang="zh-CN" sz="1100" dirty="0" err="1"/>
+              <a:t>ControllerData_MouseKeyboard</a:t>
+            </a:r>
+            <a:endParaRPr lang="en-US" altLang="zh-CN" sz="1100" dirty="0"/>
+          </a:p>
+        </p:txBody>
+      </p:sp>
+      <p:cxnSp>
+        <p:nvCxnSpPr>
+          <p:cNvPr id="29" name="直接箭头连接符 28">
+            <a:extLst>
+              <a:ext uri="{FF2B5EF4-FFF2-40B4-BE49-F238E27FC236}">
+                <a16:creationId xmlns:a16="http://schemas.microsoft.com/office/drawing/2014/main" id="{A2505156-546E-3A3C-EA5F-F0CD6CFAE9E9}"/>
+              </a:ext>
+            </a:extLst>
+          </p:cNvPr>
+          <p:cNvCxnSpPr>
+            <a:cxnSpLocks/>
+          </p:cNvCxnSpPr>
+          <p:nvPr/>
+        </p:nvCxnSpPr>
+        <p:spPr>
+          <a:xfrm flipV="1">
+            <a:off x="7354423" y="4517184"/>
+            <a:ext cx="171319" cy="1"/>
+          </a:xfrm>
+          <a:prstGeom prst="straightConnector1">
+            <a:avLst/>
+          </a:prstGeom>
+          <a:ln>
+            <a:tailEnd type="triangle"/>
+          </a:ln>
+        </p:spPr>
+        <p:style>
+          <a:lnRef idx="1">
+            <a:schemeClr val="dk1"/>
+          </a:lnRef>
+          <a:fillRef idx="0">
+            <a:schemeClr val="dk1"/>
+          </a:fillRef>
+          <a:effectRef idx="0">
+            <a:schemeClr val="dk1"/>
+          </a:effectRef>
+          <a:fontRef idx="minor">
+            <a:schemeClr val="tx1"/>
+          </a:fontRef>
+        </p:style>
+      </p:cxnSp>
+      <p:sp>
+        <p:nvSpPr>
+          <p:cNvPr id="30" name="流程图: 终止 29">
+            <a:extLst>
+              <a:ext uri="{FF2B5EF4-FFF2-40B4-BE49-F238E27FC236}">
+                <a16:creationId xmlns:a16="http://schemas.microsoft.com/office/drawing/2014/main" id="{4314755E-8335-8808-F6D9-8C1AFD746CB7}"/>
+              </a:ext>
+            </a:extLst>
+          </p:cNvPr>
+          <p:cNvSpPr/>
+          <p:nvPr/>
+        </p:nvSpPr>
+        <p:spPr>
+          <a:xfrm>
+            <a:off x="7518791" y="5368858"/>
+            <a:ext cx="1387366" cy="395715"/>
+          </a:xfrm>
+          <a:prstGeom prst="flowChartTerminator">
+            <a:avLst/>
+          </a:prstGeom>
+        </p:spPr>
+        <p:style>
+          <a:lnRef idx="2">
+            <a:schemeClr val="dk1"/>
+          </a:lnRef>
+          <a:fillRef idx="1">
+            <a:schemeClr val="lt1"/>
+          </a:fillRef>
+          <a:effectRef idx="0">
+            <a:schemeClr val="dk1"/>
+          </a:effectRef>
+          <a:fontRef idx="minor">
+            <a:schemeClr val="dk1"/>
+          </a:fontRef>
+        </p:style>
+        <p:txBody>
+          <a:bodyPr rtlCol="0" anchor="ctr"/>
+          <a:lstStyle/>
+          <a:p>
+            <a:r>
+              <a:rPr lang="en-US" altLang="zh-CN" sz="1100" dirty="0" err="1"/>
+              <a:t>ControllerData_Gamepadboard</a:t>
+            </a:r>
+            <a:endParaRPr lang="en-US" altLang="zh-CN" sz="1100" dirty="0"/>
+          </a:p>
+        </p:txBody>
+      </p:sp>
+      <p:cxnSp>
+        <p:nvCxnSpPr>
+          <p:cNvPr id="36" name="连接符: 肘形 35">
+            <a:extLst>
+              <a:ext uri="{FF2B5EF4-FFF2-40B4-BE49-F238E27FC236}">
+                <a16:creationId xmlns:a16="http://schemas.microsoft.com/office/drawing/2014/main" id="{4FDEE70B-0653-76FD-767C-51A64AD78BA7}"/>
+              </a:ext>
+            </a:extLst>
+          </p:cNvPr>
+          <p:cNvCxnSpPr>
+            <a:cxnSpLocks/>
+          </p:cNvCxnSpPr>
+          <p:nvPr/>
+        </p:nvCxnSpPr>
+        <p:spPr>
+          <a:xfrm>
+            <a:off x="7354423" y="4527340"/>
+            <a:ext cx="171319" cy="1029221"/>
+          </a:xfrm>
+          <a:prstGeom prst="bentConnector3">
+            <a:avLst/>
+          </a:prstGeom>
+          <a:ln>
+            <a:tailEnd type="triangle"/>
+          </a:ln>
+        </p:spPr>
+        <p:style>
+          <a:lnRef idx="1">
+            <a:schemeClr val="dk1"/>
+          </a:lnRef>
+          <a:fillRef idx="0">
+            <a:schemeClr val="dk1"/>
+          </a:fillRef>
+          <a:effectRef idx="0">
+            <a:schemeClr val="dk1"/>
+          </a:effectRef>
+          <a:fontRef idx="minor">
+            <a:schemeClr val="tx1"/>
+          </a:fontRef>
+        </p:style>
+      </p:cxnSp>
+      <p:sp>
+        <p:nvSpPr>
+          <p:cNvPr id="41" name="矩形: 圆角 40">
+            <a:extLst>
+              <a:ext uri="{FF2B5EF4-FFF2-40B4-BE49-F238E27FC236}">
+                <a16:creationId xmlns:a16="http://schemas.microsoft.com/office/drawing/2014/main" id="{91FFEDD7-CE5E-9C4F-9FEA-068B7C661586}"/>
+              </a:ext>
+            </a:extLst>
+          </p:cNvPr>
+          <p:cNvSpPr/>
+          <p:nvPr/>
+        </p:nvSpPr>
+        <p:spPr>
+          <a:xfrm>
+            <a:off x="9371017" y="598027"/>
+            <a:ext cx="1387367" cy="395715"/>
+          </a:xfrm>
+          <a:prstGeom prst="roundRect">
+            <a:avLst>
+              <a:gd name="adj" fmla="val 15977"/>
+            </a:avLst>
+          </a:prstGeom>
+        </p:spPr>
+        <p:style>
+          <a:lnRef idx="1">
+            <a:schemeClr val="accent3"/>
+          </a:lnRef>
+          <a:fillRef idx="2">
+            <a:schemeClr val="accent3"/>
+          </a:fillRef>
+          <a:effectRef idx="1">
+            <a:schemeClr val="accent3"/>
+          </a:effectRef>
+          <a:fontRef idx="minor">
+            <a:schemeClr val="dk1"/>
+          </a:fontRef>
+        </p:style>
+        <p:txBody>
+          <a:bodyPr rtlCol="0" anchor="ctr"/>
+          <a:lstStyle/>
+          <a:p>
+            <a:pPr algn="ctr"/>
+            <a:r>
+              <a:rPr lang="en-US" altLang="zh-CN" sz="1100" dirty="0" err="1"/>
+              <a:t>WBP_Button_ConfirmScreen</a:t>
+            </a:r>
+            <a:endParaRPr lang="en-US" altLang="zh-CN" sz="1100" dirty="0"/>
+          </a:p>
+        </p:txBody>
+      </p:sp>
+      <p:cxnSp>
+        <p:nvCxnSpPr>
+          <p:cNvPr id="43" name="连接符: 肘形 42">
+            <a:extLst>
+              <a:ext uri="{FF2B5EF4-FFF2-40B4-BE49-F238E27FC236}">
+                <a16:creationId xmlns:a16="http://schemas.microsoft.com/office/drawing/2014/main" id="{8B8BD06C-9510-FEAE-657D-914B5C71BD49}"/>
+              </a:ext>
+            </a:extLst>
+          </p:cNvPr>
+          <p:cNvCxnSpPr>
+            <a:cxnSpLocks/>
+            <a:stCxn id="17" idx="3"/>
+            <a:endCxn id="41" idx="1"/>
+          </p:cNvCxnSpPr>
+          <p:nvPr/>
+        </p:nvCxnSpPr>
+        <p:spPr>
+          <a:xfrm flipV="1">
+            <a:off x="9028381" y="795885"/>
+            <a:ext cx="342636" cy="901268"/>
+          </a:xfrm>
+          <a:prstGeom prst="bentConnector3">
+            <a:avLst/>
+          </a:prstGeom>
+          <a:ln>
+            <a:tailEnd type="triangle"/>
+          </a:ln>
+        </p:spPr>
+        <p:style>
+          <a:lnRef idx="1">
+            <a:schemeClr val="dk1"/>
+          </a:lnRef>
+          <a:fillRef idx="0">
+            <a:schemeClr val="dk1"/>
+          </a:fillRef>
+          <a:effectRef idx="0">
+            <a:schemeClr val="dk1"/>
+          </a:effectRef>
+          <a:fontRef idx="minor">
+            <a:schemeClr val="tx1"/>
+          </a:fontRef>
+        </p:style>
+      </p:cxnSp>
+    </p:spTree>
+    <p:extLst>
+      <p:ext uri="{BB962C8B-B14F-4D97-AF65-F5344CB8AC3E}">
+        <p14:creationId xmlns:p14="http://schemas.microsoft.com/office/powerpoint/2010/main" val="4026253402"/>
+      </p:ext>
+    </p:extLst>
+  </p:cSld>
+  <p:clrMapOvr>
+    <a:masterClrMapping/>
+  </p:clrMapOvr>
+</p:sld>
+</file>
+
+<file path=ppt/slides/slide3.xml><?xml version="1.0" encoding="utf-8"?>
 <p:sld xmlns:a="http://schemas.openxmlformats.org/drawingml/2006/main" xmlns:r="http://schemas.openxmlformats.org/officeDocument/2006/relationships" xmlns:p="http://schemas.openxmlformats.org/presentationml/2006/main">
   <p:cSld>
     <p:spTree>
@@ -4979,7 +8883,7 @@
 </p:sld>
 </file>
 
-<file path=ppt/slides/slide3.xml><?xml version="1.0" encoding="utf-8"?>
+<file path=ppt/slides/slide4.xml><?xml version="1.0" encoding="utf-8"?>
 <p:sld xmlns:a="http://schemas.openxmlformats.org/drawingml/2006/main" xmlns:r="http://schemas.openxmlformats.org/officeDocument/2006/relationships" xmlns:p="http://schemas.openxmlformats.org/presentationml/2006/main">
   <p:cSld>
     <p:spTree>
@@ -5586,7 +9490,7 @@
 </p:sld>
 </file>
 
-<file path=ppt/slides/slide4.xml><?xml version="1.0" encoding="utf-8"?>
+<file path=ppt/slides/slide5.xml><?xml version="1.0" encoding="utf-8"?>
 <p:sld xmlns:a="http://schemas.openxmlformats.org/drawingml/2006/main" xmlns:r="http://schemas.openxmlformats.org/officeDocument/2006/relationships" xmlns:p="http://schemas.openxmlformats.org/presentationml/2006/main">
   <p:cSld>
     <p:spTree>
@@ -6270,7 +10174,7 @@
 </p:sld>
 </file>
 
-<file path=ppt/slides/slide5.xml><?xml version="1.0" encoding="utf-8"?>
+<file path=ppt/slides/slide6.xml><?xml version="1.0" encoding="utf-8"?>
 <p:sld xmlns:a="http://schemas.openxmlformats.org/drawingml/2006/main" xmlns:r="http://schemas.openxmlformats.org/officeDocument/2006/relationships" xmlns:p="http://schemas.openxmlformats.org/presentationml/2006/main">
   <p:cSld>
     <p:spTree>
@@ -6956,7 +10860,7 @@
 </p:sld>
 </file>
 
-<file path=ppt/slides/slide6.xml><?xml version="1.0" encoding="utf-8"?>
+<file path=ppt/slides/slide7.xml><?xml version="1.0" encoding="utf-8"?>
 <p:sld xmlns:a="http://schemas.openxmlformats.org/drawingml/2006/main" xmlns:r="http://schemas.openxmlformats.org/officeDocument/2006/relationships" xmlns:p="http://schemas.openxmlformats.org/presentationml/2006/main">
   <p:cSld>
     <p:spTree>
@@ -7570,6 +11474,471 @@
     <p:extLst>
       <p:ext uri="{BB962C8B-B14F-4D97-AF65-F5344CB8AC3E}">
         <p14:creationId xmlns:p14="http://schemas.microsoft.com/office/powerpoint/2010/main" val="39710220"/>
+      </p:ext>
+    </p:extLst>
+  </p:cSld>
+  <p:clrMapOvr>
+    <a:masterClrMapping/>
+  </p:clrMapOvr>
+</p:sld>
+</file>
+
+<file path=ppt/slides/slide8.xml><?xml version="1.0" encoding="utf-8"?>
+<p:sld xmlns:a="http://schemas.openxmlformats.org/drawingml/2006/main" xmlns:r="http://schemas.openxmlformats.org/officeDocument/2006/relationships" xmlns:p="http://schemas.openxmlformats.org/presentationml/2006/main">
+  <p:cSld>
+    <p:spTree>
+      <p:nvGrpSpPr>
+        <p:cNvPr id="1" name="">
+          <a:extLst>
+            <a:ext uri="{FF2B5EF4-FFF2-40B4-BE49-F238E27FC236}">
+              <a16:creationId xmlns:a16="http://schemas.microsoft.com/office/drawing/2014/main" id="{17DD191F-82DA-FC76-2B53-DB0F912A333A}"/>
+            </a:ext>
+          </a:extLst>
+        </p:cNvPr>
+        <p:cNvGrpSpPr/>
+        <p:nvPr/>
+      </p:nvGrpSpPr>
+      <p:grpSpPr>
+        <a:xfrm>
+          <a:off x="0" y="0"/>
+          <a:ext cx="0" cy="0"/>
+          <a:chOff x="0" y="0"/>
+          <a:chExt cx="0" cy="0"/>
+        </a:xfrm>
+      </p:grpSpPr>
+      <p:sp>
+        <p:nvSpPr>
+          <p:cNvPr id="2" name="标题 1">
+            <a:extLst>
+              <a:ext uri="{FF2B5EF4-FFF2-40B4-BE49-F238E27FC236}">
+                <a16:creationId xmlns:a16="http://schemas.microsoft.com/office/drawing/2014/main" id="{D355EE7F-5200-E098-AD7A-18CE54967F37}"/>
+              </a:ext>
+            </a:extLst>
+          </p:cNvPr>
+          <p:cNvSpPr>
+            <a:spLocks noGrp="1"/>
+          </p:cNvSpPr>
+          <p:nvPr>
+            <p:ph type="ctrTitle"/>
+          </p:nvPr>
+        </p:nvSpPr>
+        <p:spPr>
+          <a:xfrm>
+            <a:off x="2233576" y="3032773"/>
+            <a:ext cx="7724847" cy="792454"/>
+          </a:xfrm>
+        </p:spPr>
+        <p:txBody>
+          <a:bodyPr>
+            <a:normAutofit/>
+          </a:bodyPr>
+          <a:lstStyle/>
+          <a:p>
+            <a:r>
+              <a:rPr lang="zh-CN" altLang="en-US" sz="4000" dirty="0"/>
+              <a:t>第二部分</a:t>
+            </a:r>
+            <a:r>
+              <a:rPr lang="en-US" altLang="zh-CN" sz="4000" dirty="0"/>
+              <a:t>:</a:t>
+            </a:r>
+            <a:r>
+              <a:rPr lang="zh-CN" altLang="en-US" sz="4000" dirty="0"/>
+              <a:t>主界面</a:t>
+            </a:r>
+          </a:p>
+        </p:txBody>
+      </p:sp>
+    </p:spTree>
+    <p:extLst>
+      <p:ext uri="{BB962C8B-B14F-4D97-AF65-F5344CB8AC3E}">
+        <p14:creationId xmlns:p14="http://schemas.microsoft.com/office/powerpoint/2010/main" val="2391263343"/>
+      </p:ext>
+    </p:extLst>
+  </p:cSld>
+  <p:clrMapOvr>
+    <a:masterClrMapping/>
+  </p:clrMapOvr>
+</p:sld>
+</file>
+
+<file path=ppt/slides/slide9.xml><?xml version="1.0" encoding="utf-8"?>
+<p:sld xmlns:a="http://schemas.openxmlformats.org/drawingml/2006/main" xmlns:r="http://schemas.openxmlformats.org/officeDocument/2006/relationships" xmlns:p="http://schemas.openxmlformats.org/presentationml/2006/main">
+  <p:cSld>
+    <p:spTree>
+      <p:nvGrpSpPr>
+        <p:cNvPr id="1" name="">
+          <a:extLst>
+            <a:ext uri="{FF2B5EF4-FFF2-40B4-BE49-F238E27FC236}">
+              <a16:creationId xmlns:a16="http://schemas.microsoft.com/office/drawing/2014/main" id="{063E2AA1-F1A2-8802-FFAC-8C0C31A2689A}"/>
+            </a:ext>
+          </a:extLst>
+        </p:cNvPr>
+        <p:cNvGrpSpPr/>
+        <p:nvPr/>
+      </p:nvGrpSpPr>
+      <p:grpSpPr>
+        <a:xfrm>
+          <a:off x="0" y="0"/>
+          <a:ext cx="0" cy="0"/>
+          <a:chOff x="0" y="0"/>
+          <a:chExt cx="0" cy="0"/>
+        </a:xfrm>
+      </p:grpSpPr>
+      <p:sp>
+        <p:nvSpPr>
+          <p:cNvPr id="2" name="标题 1">
+            <a:extLst>
+              <a:ext uri="{FF2B5EF4-FFF2-40B4-BE49-F238E27FC236}">
+                <a16:creationId xmlns:a16="http://schemas.microsoft.com/office/drawing/2014/main" id="{45B7B16F-1807-C280-A992-7EC1BA6A12C1}"/>
+              </a:ext>
+            </a:extLst>
+          </p:cNvPr>
+          <p:cNvSpPr>
+            <a:spLocks noGrp="1"/>
+          </p:cNvSpPr>
+          <p:nvPr>
+            <p:ph type="ctrTitle"/>
+          </p:nvPr>
+        </p:nvSpPr>
+        <p:spPr>
+          <a:xfrm>
+            <a:off x="-368395" y="86027"/>
+            <a:ext cx="7724847" cy="792454"/>
+          </a:xfrm>
+        </p:spPr>
+        <p:txBody>
+          <a:bodyPr>
+            <a:normAutofit/>
+          </a:bodyPr>
+          <a:lstStyle/>
+          <a:p>
+            <a:r>
+              <a:rPr lang="zh-CN" altLang="en-US" sz="4000" dirty="0"/>
+              <a:t>第二部分</a:t>
+            </a:r>
+            <a:r>
+              <a:rPr lang="en-US" altLang="zh-CN" sz="4000" dirty="0"/>
+              <a:t>:</a:t>
+            </a:r>
+            <a:r>
+              <a:rPr lang="zh-CN" altLang="en-US" sz="4000" dirty="0"/>
+              <a:t>主界面</a:t>
+            </a:r>
+          </a:p>
+        </p:txBody>
+      </p:sp>
+      <p:sp>
+        <p:nvSpPr>
+          <p:cNvPr id="4" name="矩形 3">
+            <a:extLst>
+              <a:ext uri="{FF2B5EF4-FFF2-40B4-BE49-F238E27FC236}">
+                <a16:creationId xmlns:a16="http://schemas.microsoft.com/office/drawing/2014/main" id="{08C39576-3881-E816-4639-275F73AC89EE}"/>
+              </a:ext>
+            </a:extLst>
+          </p:cNvPr>
+          <p:cNvSpPr/>
+          <p:nvPr/>
+        </p:nvSpPr>
+        <p:spPr>
+          <a:xfrm>
+            <a:off x="388857" y="3178913"/>
+            <a:ext cx="2779649" cy="1127531"/>
+          </a:xfrm>
+          <a:prstGeom prst="rect">
+            <a:avLst/>
+          </a:prstGeom>
+        </p:spPr>
+        <p:style>
+          <a:lnRef idx="2">
+            <a:schemeClr val="accent1">
+              <a:shade val="15000"/>
+            </a:schemeClr>
+          </a:lnRef>
+          <a:fillRef idx="1">
+            <a:schemeClr val="accent1"/>
+          </a:fillRef>
+          <a:effectRef idx="0">
+            <a:schemeClr val="accent1"/>
+          </a:effectRef>
+          <a:fontRef idx="minor">
+            <a:schemeClr val="lt1"/>
+          </a:fontRef>
+        </p:style>
+        <p:txBody>
+          <a:bodyPr rtlCol="0" anchor="ctr"/>
+          <a:lstStyle/>
+          <a:p>
+            <a:pPr algn="ctr"/>
+            <a:r>
+              <a:rPr lang="en-US" altLang="zh-CN" b="1" dirty="0" err="1"/>
+              <a:t>WBP_CAW_PressAnyKey</a:t>
+            </a:r>
+            <a:br>
+              <a:rPr lang="en-US" altLang="zh-CN" b="1" dirty="0"/>
+            </a:br>
+            <a:r>
+              <a:rPr lang="zh-CN" altLang="en-US" b="1" dirty="0"/>
+              <a:t>监听任意键</a:t>
+            </a:r>
+            <a:endParaRPr lang="zh-CN" altLang="en-US" dirty="0"/>
+          </a:p>
+        </p:txBody>
+      </p:sp>
+      <p:sp>
+        <p:nvSpPr>
+          <p:cNvPr id="7" name="矩形 6">
+            <a:extLst>
+              <a:ext uri="{FF2B5EF4-FFF2-40B4-BE49-F238E27FC236}">
+                <a16:creationId xmlns:a16="http://schemas.microsoft.com/office/drawing/2014/main" id="{836A7531-9376-CA5D-9188-E501BCFC3F12}"/>
+              </a:ext>
+            </a:extLst>
+          </p:cNvPr>
+          <p:cNvSpPr/>
+          <p:nvPr/>
+        </p:nvSpPr>
+        <p:spPr>
+          <a:xfrm>
+            <a:off x="3765200" y="3178913"/>
+            <a:ext cx="2536945" cy="1124095"/>
+          </a:xfrm>
+          <a:prstGeom prst="rect">
+            <a:avLst/>
+          </a:prstGeom>
+        </p:spPr>
+        <p:style>
+          <a:lnRef idx="2">
+            <a:schemeClr val="accent1">
+              <a:shade val="15000"/>
+            </a:schemeClr>
+          </a:lnRef>
+          <a:fillRef idx="1">
+            <a:schemeClr val="accent1"/>
+          </a:fillRef>
+          <a:effectRef idx="0">
+            <a:schemeClr val="accent1"/>
+          </a:effectRef>
+          <a:fontRef idx="minor">
+            <a:schemeClr val="lt1"/>
+          </a:fontRef>
+        </p:style>
+        <p:txBody>
+          <a:bodyPr rtlCol="0" anchor="ctr"/>
+          <a:lstStyle/>
+          <a:p>
+            <a:pPr algn="ctr"/>
+            <a:r>
+              <a:rPr lang="en-US" altLang="zh-CN" b="1" dirty="0" err="1"/>
+              <a:t>WBP_CAW_MainMenu</a:t>
+            </a:r>
+            <a:br>
+              <a:rPr lang="en-US" altLang="zh-CN" b="1" dirty="0"/>
+            </a:br>
+            <a:r>
+              <a:rPr lang="zh-CN" altLang="en-US" b="1" dirty="0"/>
+              <a:t>（主界面）​</a:t>
+            </a:r>
+            <a:endParaRPr lang="en-US" altLang="zh-CN" b="1" dirty="0"/>
+          </a:p>
+          <a:p>
+            <a:pPr algn="ctr"/>
+            <a:r>
+              <a:rPr lang="en-US" altLang="zh-CN" dirty="0"/>
+              <a:t>•</a:t>
+            </a:r>
+            <a:r>
+              <a:rPr lang="zh-CN" altLang="en-US" dirty="0"/>
+              <a:t>许多按键</a:t>
+            </a:r>
+          </a:p>
+        </p:txBody>
+      </p:sp>
+      <p:sp>
+        <p:nvSpPr>
+          <p:cNvPr id="9" name="矩形 8">
+            <a:extLst>
+              <a:ext uri="{FF2B5EF4-FFF2-40B4-BE49-F238E27FC236}">
+                <a16:creationId xmlns:a16="http://schemas.microsoft.com/office/drawing/2014/main" id="{5B923701-0D42-F432-DBC2-A93A8C381B16}"/>
+              </a:ext>
+            </a:extLst>
+          </p:cNvPr>
+          <p:cNvSpPr/>
+          <p:nvPr/>
+        </p:nvSpPr>
+        <p:spPr>
+          <a:xfrm>
+            <a:off x="7356452" y="2865232"/>
+            <a:ext cx="2536945" cy="1751456"/>
+          </a:xfrm>
+          <a:prstGeom prst="rect">
+            <a:avLst/>
+          </a:prstGeom>
+        </p:spPr>
+        <p:style>
+          <a:lnRef idx="2">
+            <a:schemeClr val="accent1">
+              <a:shade val="15000"/>
+            </a:schemeClr>
+          </a:lnRef>
+          <a:fillRef idx="1">
+            <a:schemeClr val="accent1"/>
+          </a:fillRef>
+          <a:effectRef idx="0">
+            <a:schemeClr val="accent1"/>
+          </a:effectRef>
+          <a:fontRef idx="minor">
+            <a:schemeClr val="lt1"/>
+          </a:fontRef>
+        </p:style>
+        <p:txBody>
+          <a:bodyPr rtlCol="0" anchor="ctr"/>
+          <a:lstStyle/>
+          <a:p>
+            <a:pPr algn="ctr"/>
+            <a:r>
+              <a:rPr lang="en-US" altLang="zh-CN" b="1" dirty="0"/>
+              <a:t>Frontend UI Subsystem</a:t>
+            </a:r>
+            <a:br>
+              <a:rPr lang="en-US" altLang="zh-CN" b="1" dirty="0"/>
+            </a:br>
+            <a:r>
+              <a:rPr lang="zh-CN" altLang="en-US" b="1" dirty="0"/>
+              <a:t>（前端</a:t>
+            </a:r>
+            <a:r>
+              <a:rPr lang="en-US" altLang="zh-CN" b="1" dirty="0"/>
+              <a:t>UI</a:t>
+            </a:r>
+            <a:r>
+              <a:rPr lang="zh-CN" altLang="en-US" b="1" dirty="0"/>
+              <a:t>子系统）​​</a:t>
+            </a:r>
+            <a:endParaRPr lang="en-US" altLang="zh-CN" b="1" dirty="0"/>
+          </a:p>
+          <a:p>
+            <a:pPr algn="ctr"/>
+            <a:r>
+              <a:rPr lang="en-US" altLang="zh-CN" dirty="0"/>
+              <a:t>•</a:t>
+            </a:r>
+            <a:r>
+              <a:rPr lang="zh-CN" altLang="en-US" b="1" dirty="0"/>
+              <a:t>存储主布局引用</a:t>
+            </a:r>
+            <a:endParaRPr lang="en-US" altLang="zh-CN" b="1" dirty="0"/>
+          </a:p>
+          <a:p>
+            <a:pPr algn="ctr"/>
+            <a:r>
+              <a:rPr lang="en-US" altLang="zh-CN" dirty="0"/>
+              <a:t>•</a:t>
+            </a:r>
+            <a:r>
+              <a:rPr lang="zh-CN" altLang="en-US" dirty="0"/>
+              <a:t>给</a:t>
+            </a:r>
+            <a:r>
+              <a:rPr lang="en-US" altLang="zh-CN" dirty="0" err="1"/>
+              <a:t>PushingWidgets</a:t>
+            </a:r>
+            <a:r>
+              <a:rPr lang="zh-CN" altLang="en-US" dirty="0"/>
+              <a:t>提供方法</a:t>
+            </a:r>
+          </a:p>
+        </p:txBody>
+      </p:sp>
+      <p:cxnSp>
+        <p:nvCxnSpPr>
+          <p:cNvPr id="11" name="直接箭头连接符 10">
+            <a:extLst>
+              <a:ext uri="{FF2B5EF4-FFF2-40B4-BE49-F238E27FC236}">
+                <a16:creationId xmlns:a16="http://schemas.microsoft.com/office/drawing/2014/main" id="{15B52220-7B9E-8F0C-8855-F2B755BAD172}"/>
+              </a:ext>
+            </a:extLst>
+          </p:cNvPr>
+          <p:cNvCxnSpPr>
+            <a:cxnSpLocks/>
+            <a:stCxn id="7" idx="3"/>
+            <a:endCxn id="9" idx="1"/>
+          </p:cNvCxnSpPr>
+          <p:nvPr/>
+        </p:nvCxnSpPr>
+        <p:spPr>
+          <a:xfrm flipV="1">
+            <a:off x="6302145" y="3740960"/>
+            <a:ext cx="1054307" cy="1"/>
+          </a:xfrm>
+          <a:prstGeom prst="straightConnector1">
+            <a:avLst/>
+          </a:prstGeom>
+          <a:ln>
+            <a:tailEnd type="triangle"/>
+          </a:ln>
+        </p:spPr>
+        <p:style>
+          <a:lnRef idx="1">
+            <a:schemeClr val="accent1"/>
+          </a:lnRef>
+          <a:fillRef idx="0">
+            <a:schemeClr val="accent1"/>
+          </a:fillRef>
+          <a:effectRef idx="0">
+            <a:schemeClr val="accent1"/>
+          </a:effectRef>
+          <a:fontRef idx="minor">
+            <a:schemeClr val="tx1"/>
+          </a:fontRef>
+        </p:style>
+      </p:cxnSp>
+      <p:cxnSp>
+        <p:nvCxnSpPr>
+          <p:cNvPr id="14" name="直接箭头连接符 13">
+            <a:extLst>
+              <a:ext uri="{FF2B5EF4-FFF2-40B4-BE49-F238E27FC236}">
+                <a16:creationId xmlns:a16="http://schemas.microsoft.com/office/drawing/2014/main" id="{230FB624-809D-32B3-0DD2-912958BF83AA}"/>
+              </a:ext>
+            </a:extLst>
+          </p:cNvPr>
+          <p:cNvCxnSpPr>
+            <a:cxnSpLocks/>
+            <a:stCxn id="4" idx="3"/>
+            <a:endCxn id="7" idx="1"/>
+          </p:cNvCxnSpPr>
+          <p:nvPr/>
+        </p:nvCxnSpPr>
+        <p:spPr>
+          <a:xfrm flipV="1">
+            <a:off x="3168506" y="3740961"/>
+            <a:ext cx="596694" cy="1718"/>
+          </a:xfrm>
+          <a:prstGeom prst="straightConnector1">
+            <a:avLst/>
+          </a:prstGeom>
+          <a:ln>
+            <a:tailEnd type="triangle"/>
+          </a:ln>
+        </p:spPr>
+        <p:style>
+          <a:lnRef idx="1">
+            <a:schemeClr val="accent1"/>
+          </a:lnRef>
+          <a:fillRef idx="0">
+            <a:schemeClr val="accent1"/>
+          </a:fillRef>
+          <a:effectRef idx="0">
+            <a:schemeClr val="accent1"/>
+          </a:effectRef>
+          <a:fontRef idx="minor">
+            <a:schemeClr val="tx1"/>
+          </a:fontRef>
+        </p:style>
+      </p:cxnSp>
+    </p:spTree>
+    <p:extLst>
+      <p:ext uri="{BB962C8B-B14F-4D97-AF65-F5344CB8AC3E}">
+        <p14:creationId xmlns:p14="http://schemas.microsoft.com/office/powerpoint/2010/main" val="2751431486"/>
       </p:ext>
     </p:extLst>
   </p:cSld>
